--- a/互联网技术架构变迁.pptx
+++ b/互联网技术架构变迁.pptx
@@ -10,25 +10,27 @@
     <p:sldId id="258" r:id="rId4"/>
     <p:sldId id="261" r:id="rId5"/>
     <p:sldId id="262" r:id="rId6"/>
-    <p:sldId id="264" r:id="rId7"/>
-    <p:sldId id="265" r:id="rId8"/>
-    <p:sldId id="263" r:id="rId9"/>
-    <p:sldId id="269" r:id="rId10"/>
-    <p:sldId id="266" r:id="rId11"/>
+    <p:sldId id="263" r:id="rId7"/>
+    <p:sldId id="264" r:id="rId8"/>
+    <p:sldId id="269" r:id="rId9"/>
+    <p:sldId id="266" r:id="rId10"/>
+    <p:sldId id="281" r:id="rId11"/>
     <p:sldId id="268" r:id="rId12"/>
     <p:sldId id="270" r:id="rId13"/>
     <p:sldId id="271" r:id="rId14"/>
     <p:sldId id="272" r:id="rId15"/>
     <p:sldId id="273" r:id="rId16"/>
     <p:sldId id="274" r:id="rId17"/>
-    <p:sldId id="275" r:id="rId18"/>
-    <p:sldId id="276" r:id="rId19"/>
-    <p:sldId id="267" r:id="rId20"/>
-    <p:sldId id="277" r:id="rId21"/>
-    <p:sldId id="278" r:id="rId22"/>
-    <p:sldId id="280" r:id="rId23"/>
-    <p:sldId id="281" r:id="rId24"/>
-    <p:sldId id="279" r:id="rId25"/>
+    <p:sldId id="283" r:id="rId18"/>
+    <p:sldId id="275" r:id="rId19"/>
+    <p:sldId id="276" r:id="rId20"/>
+    <p:sldId id="280" r:id="rId21"/>
+    <p:sldId id="267" r:id="rId22"/>
+    <p:sldId id="277" r:id="rId23"/>
+    <p:sldId id="278" r:id="rId24"/>
+    <p:sldId id="282" r:id="rId25"/>
+    <p:sldId id="284" r:id="rId26"/>
+    <p:sldId id="279" r:id="rId27"/>
   </p:sldIdLst>
   <p:sldSz cx="12192000" cy="6858000"/>
   <p:notesSz cx="6858000" cy="9144000"/>
@@ -322,7 +324,7 @@
           <a:p>
             <a:fld id="{8A2E1FFB-B565-4A98-A62F-368BAE1CA6D7}" type="datetimeFigureOut">
               <a:rPr lang="zh-CN" altLang="en-US" smtClean="0"/>
-              <a:t>2020/8/28</a:t>
+              <a:t>2020/10/21</a:t>
             </a:fld>
             <a:endParaRPr lang="zh-CN" altLang="en-US"/>
           </a:p>
@@ -490,7 +492,7 @@
           <a:p>
             <a:fld id="{8A2E1FFB-B565-4A98-A62F-368BAE1CA6D7}" type="datetimeFigureOut">
               <a:rPr lang="zh-CN" altLang="en-US" smtClean="0"/>
-              <a:t>2020/8/28</a:t>
+              <a:t>2020/10/21</a:t>
             </a:fld>
             <a:endParaRPr lang="zh-CN" altLang="en-US"/>
           </a:p>
@@ -668,7 +670,7 @@
           <a:p>
             <a:fld id="{8A2E1FFB-B565-4A98-A62F-368BAE1CA6D7}" type="datetimeFigureOut">
               <a:rPr lang="zh-CN" altLang="en-US" smtClean="0"/>
-              <a:t>2020/8/28</a:t>
+              <a:t>2020/10/21</a:t>
             </a:fld>
             <a:endParaRPr lang="zh-CN" altLang="en-US"/>
           </a:p>
@@ -836,7 +838,7 @@
           <a:p>
             <a:fld id="{8A2E1FFB-B565-4A98-A62F-368BAE1CA6D7}" type="datetimeFigureOut">
               <a:rPr lang="zh-CN" altLang="en-US" smtClean="0"/>
-              <a:t>2020/8/28</a:t>
+              <a:t>2020/10/21</a:t>
             </a:fld>
             <a:endParaRPr lang="zh-CN" altLang="en-US"/>
           </a:p>
@@ -1081,7 +1083,7 @@
           <a:p>
             <a:fld id="{8A2E1FFB-B565-4A98-A62F-368BAE1CA6D7}" type="datetimeFigureOut">
               <a:rPr lang="zh-CN" altLang="en-US" smtClean="0"/>
-              <a:t>2020/8/28</a:t>
+              <a:t>2020/10/21</a:t>
             </a:fld>
             <a:endParaRPr lang="zh-CN" altLang="en-US"/>
           </a:p>
@@ -1310,7 +1312,7 @@
           <a:p>
             <a:fld id="{8A2E1FFB-B565-4A98-A62F-368BAE1CA6D7}" type="datetimeFigureOut">
               <a:rPr lang="zh-CN" altLang="en-US" smtClean="0"/>
-              <a:t>2020/8/28</a:t>
+              <a:t>2020/10/21</a:t>
             </a:fld>
             <a:endParaRPr lang="zh-CN" altLang="en-US"/>
           </a:p>
@@ -1674,7 +1676,7 @@
           <a:p>
             <a:fld id="{8A2E1FFB-B565-4A98-A62F-368BAE1CA6D7}" type="datetimeFigureOut">
               <a:rPr lang="zh-CN" altLang="en-US" smtClean="0"/>
-              <a:t>2020/8/28</a:t>
+              <a:t>2020/10/21</a:t>
             </a:fld>
             <a:endParaRPr lang="zh-CN" altLang="en-US"/>
           </a:p>
@@ -1791,7 +1793,7 @@
           <a:p>
             <a:fld id="{8A2E1FFB-B565-4A98-A62F-368BAE1CA6D7}" type="datetimeFigureOut">
               <a:rPr lang="zh-CN" altLang="en-US" smtClean="0"/>
-              <a:t>2020/8/28</a:t>
+              <a:t>2020/10/21</a:t>
             </a:fld>
             <a:endParaRPr lang="zh-CN" altLang="en-US"/>
           </a:p>
@@ -1886,7 +1888,7 @@
           <a:p>
             <a:fld id="{8A2E1FFB-B565-4A98-A62F-368BAE1CA6D7}" type="datetimeFigureOut">
               <a:rPr lang="zh-CN" altLang="en-US" smtClean="0"/>
-              <a:t>2020/8/28</a:t>
+              <a:t>2020/10/21</a:t>
             </a:fld>
             <a:endParaRPr lang="zh-CN" altLang="en-US"/>
           </a:p>
@@ -2161,7 +2163,7 @@
           <a:p>
             <a:fld id="{8A2E1FFB-B565-4A98-A62F-368BAE1CA6D7}" type="datetimeFigureOut">
               <a:rPr lang="zh-CN" altLang="en-US" smtClean="0"/>
-              <a:t>2020/8/28</a:t>
+              <a:t>2020/10/21</a:t>
             </a:fld>
             <a:endParaRPr lang="zh-CN" altLang="en-US"/>
           </a:p>
@@ -2413,7 +2415,7 @@
           <a:p>
             <a:fld id="{8A2E1FFB-B565-4A98-A62F-368BAE1CA6D7}" type="datetimeFigureOut">
               <a:rPr lang="zh-CN" altLang="en-US" smtClean="0"/>
-              <a:t>2020/8/28</a:t>
+              <a:t>2020/10/21</a:t>
             </a:fld>
             <a:endParaRPr lang="zh-CN" altLang="en-US"/>
           </a:p>
@@ -2624,7 +2626,7 @@
           <a:p>
             <a:fld id="{8A2E1FFB-B565-4A98-A62F-368BAE1CA6D7}" type="datetimeFigureOut">
               <a:rPr lang="zh-CN" altLang="en-US" smtClean="0"/>
-              <a:t>2020/8/28</a:t>
+              <a:t>2020/10/21</a:t>
             </a:fld>
             <a:endParaRPr lang="zh-CN" altLang="en-US"/>
           </a:p>
@@ -3070,6 +3072,44 @@
           </a:p>
         </p:txBody>
       </p:sp>
+      <p:pic>
+        <p:nvPicPr>
+          <p:cNvPr id="4" name="音频 3">
+            <a:hlinkClick r:id="" action="ppaction://media"/>
+            <a:extLst>
+              <a:ext uri="{FF2B5EF4-FFF2-40B4-BE49-F238E27FC236}">
+                <a16:creationId xmlns:a16="http://schemas.microsoft.com/office/drawing/2014/main" id="{8C72E215-03FF-4A3C-A837-A06E1FC063E0}"/>
+              </a:ext>
+            </a:extLst>
+          </p:cNvPr>
+          <p:cNvPicPr>
+            <a:picLocks noChangeAspect="1"/>
+          </p:cNvPicPr>
+          <p:nvPr>
+            <a:audioFile r:link="rId2"/>
+            <p:extLst>
+              <p:ext uri="{DAA4B4D4-6D71-4841-9C94-3DE7FCFB9230}">
+                <p14:media xmlns:p14="http://schemas.microsoft.com/office/powerpoint/2010/main" r:embed="rId1"/>
+              </p:ext>
+            </p:extLst>
+          </p:nvPr>
+        </p:nvPicPr>
+        <p:blipFill>
+          <a:blip r:embed="rId4"/>
+          <a:stretch>
+            <a:fillRect/>
+          </a:stretch>
+        </p:blipFill>
+        <p:spPr>
+          <a:xfrm>
+            <a:off x="11488738" y="6154738"/>
+            <a:ext cx="487362" cy="487362"/>
+          </a:xfrm>
+          <a:prstGeom prst="rect">
+            <a:avLst/>
+          </a:prstGeom>
+        </p:spPr>
+      </p:pic>
     </p:spTree>
     <p:extLst>
       <p:ext uri="{BB962C8B-B14F-4D97-AF65-F5344CB8AC3E}">
@@ -3080,6 +3120,101 @@
   <p:clrMapOvr>
     <a:masterClrMapping/>
   </p:clrMapOvr>
+  <mc:AlternateContent xmlns:mc="http://schemas.openxmlformats.org/markup-compatibility/2006" xmlns:p14="http://schemas.microsoft.com/office/powerpoint/2010/main">
+    <mc:Choice Requires="p14">
+      <p:transition spd="slow" p14:dur="2000" advTm="7822"/>
+    </mc:Choice>
+    <mc:Fallback xmlns="">
+      <p:transition spd="slow" advTm="7822"/>
+    </mc:Fallback>
+  </mc:AlternateContent>
+  <p:timing>
+    <p:tnLst>
+      <p:par>
+        <p:cTn id="1" dur="indefinite" restart="never" nodeType="tmRoot">
+          <p:childTnLst>
+            <p:seq concurrent="1" nextAc="seek">
+              <p:cTn id="2" dur="indefinite" nodeType="mainSeq">
+                <p:childTnLst>
+                  <p:par>
+                    <p:cTn id="3" fill="hold">
+                      <p:stCondLst>
+                        <p:cond delay="indefinite"/>
+                        <p:cond evt="onBegin" delay="0">
+                          <p:tn val="2"/>
+                        </p:cond>
+                      </p:stCondLst>
+                      <p:childTnLst>
+                        <p:par>
+                          <p:cTn id="4" fill="hold">
+                            <p:stCondLst>
+                              <p:cond delay="0"/>
+                            </p:stCondLst>
+                            <p:childTnLst>
+                              <p:par>
+                                <p:cTn id="5" presetID="1" presetClass="mediacall" presetSubtype="0" fill="hold" nodeType="afterEffect">
+                                  <p:stCondLst>
+                                    <p:cond delay="0"/>
+                                  </p:stCondLst>
+                                  <p:childTnLst>
+                                    <p:cmd type="call" cmd="playFrom(0.0)">
+                                      <p:cBhvr>
+                                        <p:cTn id="6" dur="1" fill="hold"/>
+                                        <p:tgtEl>
+                                          <p:spTgt spid="4"/>
+                                        </p:tgtEl>
+                                      </p:cBhvr>
+                                    </p:cmd>
+                                  </p:childTnLst>
+                                </p:cTn>
+                              </p:par>
+                            </p:childTnLst>
+                          </p:cTn>
+                        </p:par>
+                      </p:childTnLst>
+                    </p:cTn>
+                  </p:par>
+                </p:childTnLst>
+              </p:cTn>
+              <p:prevCondLst>
+                <p:cond evt="onPrev" delay="0">
+                  <p:tgtEl>
+                    <p:sldTgt/>
+                  </p:tgtEl>
+                </p:cond>
+              </p:prevCondLst>
+              <p:nextCondLst>
+                <p:cond evt="onNext" delay="0">
+                  <p:tgtEl>
+                    <p:sldTgt/>
+                  </p:tgtEl>
+                </p:cond>
+              </p:nextCondLst>
+            </p:seq>
+            <p:audio isNarration="1">
+              <p:cMediaNode vol="80000" showWhenStopped="0">
+                <p:cTn id="7" fill="hold" display="0">
+                  <p:stCondLst>
+                    <p:cond delay="indefinite"/>
+                  </p:stCondLst>
+                  <p:endCondLst>
+                    <p:cond evt="onStopAudio" delay="0">
+                      <p:tgtEl>
+                        <p:sldTgt/>
+                      </p:tgtEl>
+                    </p:cond>
+                  </p:endCondLst>
+                </p:cTn>
+                <p:tgtEl>
+                  <p:spTgt spid="4"/>
+                </p:tgtEl>
+              </p:cMediaNode>
+            </p:audio>
+          </p:childTnLst>
+        </p:cTn>
+      </p:par>
+    </p:tnLst>
+  </p:timing>
 </p:sld>
 </file>
 
@@ -3113,198 +3248,355 @@
         <p:spPr>
           <a:xfrm>
             <a:off x="507206" y="365125"/>
-            <a:ext cx="10846594" cy="1013619"/>
-          </a:xfrm>
-        </p:spPr>
-        <p:txBody>
-          <a:bodyPr/>
-          <a:lstStyle/>
-          <a:p>
-            <a:r>
-              <a:rPr lang="zh-CN" altLang="en-US" dirty="0"/>
-              <a:t>服务化</a:t>
-            </a:r>
-          </a:p>
-        </p:txBody>
-      </p:sp>
-      <p:sp>
-        <p:nvSpPr>
-          <p:cNvPr id="5" name="矩形 4"/>
-          <p:cNvSpPr/>
+            <a:ext cx="10793398" cy="463011"/>
+          </a:xfrm>
+        </p:spPr>
+        <p:txBody>
+          <a:bodyPr>
+            <a:normAutofit fontScale="90000"/>
+          </a:bodyPr>
+          <a:lstStyle/>
+          <a:p>
+            <a:r>
+              <a:rPr lang="zh-CN" altLang="en-US" dirty="0"/>
+              <a:t>服务化之运程调用（</a:t>
+            </a:r>
+            <a:r>
+              <a:rPr lang="en-US" altLang="zh-CN" dirty="0"/>
+              <a:t>RPC)</a:t>
+            </a:r>
+            <a:endParaRPr lang="zh-CN" altLang="en-US" dirty="0"/>
+          </a:p>
+        </p:txBody>
+      </p:sp>
+      <p:sp>
+        <p:nvSpPr>
+          <p:cNvPr id="6" name="文本框 5">
+            <a:extLst>
+              <a:ext uri="{FF2B5EF4-FFF2-40B4-BE49-F238E27FC236}">
+                <a16:creationId xmlns:a16="http://schemas.microsoft.com/office/drawing/2014/main" id="{29E1307D-8883-4787-BAE1-1E76F7F57580}"/>
+              </a:ext>
+            </a:extLst>
+          </p:cNvPr>
+          <p:cNvSpPr txBox="1"/>
           <p:nvPr/>
         </p:nvSpPr>
         <p:spPr>
           <a:xfrm>
-            <a:off x="6193631" y="1485900"/>
-            <a:ext cx="4143375" cy="4267200"/>
+            <a:off x="507205" y="1110636"/>
+            <a:ext cx="4660017" cy="2031325"/>
           </a:xfrm>
           <a:prstGeom prst="rect">
             <a:avLst/>
           </a:prstGeom>
-        </p:spPr>
-        <p:style>
-          <a:lnRef idx="2">
-            <a:schemeClr val="accent1"/>
-          </a:lnRef>
-          <a:fillRef idx="1">
-            <a:schemeClr val="lt1"/>
-          </a:fillRef>
-          <a:effectRef idx="0">
-            <a:schemeClr val="accent1"/>
-          </a:effectRef>
-          <a:fontRef idx="minor">
-            <a:schemeClr val="dk1"/>
-          </a:fontRef>
-        </p:style>
-        <p:txBody>
-          <a:bodyPr rtlCol="0" anchor="t"/>
-          <a:lstStyle/>
-          <a:p>
-            <a:pPr marL="285750" indent="-285750">
-              <a:lnSpc>
-                <a:spcPct val="150000"/>
-              </a:lnSpc>
-              <a:buFont typeface="Wingdings" panose="05000000000000000000" pitchFamily="2" charset="2"/>
-              <a:buChar char="u"/>
-            </a:pPr>
-            <a:r>
-              <a:rPr lang="zh-CN" altLang="en-US" dirty="0"/>
-              <a:t>优点：</a:t>
-            </a:r>
-            <a:endParaRPr lang="en-US" altLang="zh-CN" dirty="0"/>
-          </a:p>
-          <a:p>
-            <a:pPr marL="742950" lvl="1" indent="-285750">
-              <a:lnSpc>
-                <a:spcPct val="150000"/>
-              </a:lnSpc>
-              <a:buFont typeface="Arial" panose="020B0604020202020204" pitchFamily="34" charset="0"/>
-              <a:buChar char="•"/>
-            </a:pPr>
-            <a:r>
-              <a:rPr lang="zh-CN" altLang="en-US" dirty="0"/>
-              <a:t>最小的业务单元做成服务</a:t>
-            </a:r>
-            <a:endParaRPr lang="en-US" altLang="zh-CN" dirty="0"/>
-          </a:p>
-          <a:p>
-            <a:pPr marL="742950" lvl="1" indent="-285750">
-              <a:lnSpc>
-                <a:spcPct val="150000"/>
-              </a:lnSpc>
-              <a:buFont typeface="Arial" panose="020B0604020202020204" pitchFamily="34" charset="0"/>
-              <a:buChar char="•"/>
-            </a:pPr>
-            <a:r>
-              <a:rPr lang="zh-CN" altLang="en-US" dirty="0"/>
-              <a:t>每个服务单元可以自由扩容</a:t>
-            </a:r>
-            <a:endParaRPr lang="en-US" altLang="zh-CN" dirty="0"/>
-          </a:p>
-          <a:p>
-            <a:pPr marL="742950" lvl="1" indent="-285750">
-              <a:lnSpc>
-                <a:spcPct val="150000"/>
-              </a:lnSpc>
-              <a:buFont typeface="Arial" panose="020B0604020202020204" pitchFamily="34" charset="0"/>
-              <a:buChar char="•"/>
-            </a:pPr>
-            <a:r>
-              <a:rPr lang="zh-CN" altLang="en-US" dirty="0"/>
-              <a:t>不同服务单元通过</a:t>
-            </a:r>
-            <a:r>
-              <a:rPr lang="en-US" altLang="zh-CN" dirty="0"/>
-              <a:t>http/</a:t>
-            </a:r>
-            <a:r>
-              <a:rPr lang="en-US" altLang="zh-CN" dirty="0" err="1"/>
-              <a:t>tcp</a:t>
-            </a:r>
-            <a:r>
-              <a:rPr lang="zh-CN" altLang="en-US" dirty="0"/>
-              <a:t>等协议访问</a:t>
-            </a:r>
-            <a:endParaRPr lang="en-US" altLang="zh-CN" dirty="0"/>
-          </a:p>
-          <a:p>
-            <a:pPr marL="285750" indent="-285750">
-              <a:lnSpc>
-                <a:spcPct val="150000"/>
-              </a:lnSpc>
-              <a:buFont typeface="Wingdings" panose="05000000000000000000" pitchFamily="2" charset="2"/>
-              <a:buChar char="u"/>
-            </a:pPr>
-            <a:r>
-              <a:rPr lang="zh-CN" altLang="en-US" dirty="0"/>
-              <a:t>注：</a:t>
-            </a:r>
-            <a:endParaRPr lang="en-US" altLang="zh-CN" dirty="0"/>
-          </a:p>
-          <a:p>
-            <a:pPr marL="742950" lvl="1" indent="-285750">
-              <a:lnSpc>
-                <a:spcPct val="150000"/>
-              </a:lnSpc>
-              <a:buFont typeface="Arial" panose="020B0604020202020204" pitchFamily="34" charset="0"/>
-              <a:buChar char="•"/>
-            </a:pPr>
-            <a:r>
-              <a:rPr lang="zh-CN" altLang="en-US" dirty="0"/>
-              <a:t>系统架构更负责</a:t>
-            </a:r>
-            <a:endParaRPr lang="en-US" altLang="zh-CN" dirty="0"/>
-          </a:p>
-          <a:p>
-            <a:pPr marL="742950" lvl="1" indent="-285750">
-              <a:lnSpc>
-                <a:spcPct val="150000"/>
-              </a:lnSpc>
-              <a:buFont typeface="Arial" panose="020B0604020202020204" pitchFamily="34" charset="0"/>
-              <a:buChar char="•"/>
-            </a:pPr>
-            <a:r>
-              <a:rPr lang="zh-CN" altLang="en-US" dirty="0"/>
-              <a:t>每个服务模块具有独立的架构</a:t>
-            </a:r>
-            <a:endParaRPr lang="en-US" altLang="zh-CN" dirty="0"/>
+          <a:noFill/>
+          <a:ln>
+            <a:solidFill>
+              <a:schemeClr val="tx1"/>
+            </a:solidFill>
+          </a:ln>
+        </p:spPr>
+        <p:txBody>
+          <a:bodyPr wrap="square">
+            <a:spAutoFit/>
+          </a:bodyPr>
+          <a:lstStyle/>
+          <a:p>
+            <a:r>
+              <a:rPr lang="en-US" altLang="zh-CN" b="1" i="0" dirty="0">
+                <a:effectLst/>
+                <a:latin typeface="-apple-system"/>
+              </a:rPr>
+              <a:t>RPC</a:t>
+            </a:r>
+            <a:r>
+              <a:rPr lang="en-US" altLang="zh-CN" b="0" i="0" u="none" strike="noStrike" dirty="0">
+                <a:effectLst/>
+                <a:latin typeface="-apple-system"/>
+              </a:rPr>
+              <a:t>(Remote procedure call</a:t>
+            </a:r>
+            <a:r>
+              <a:rPr lang="zh-CN" altLang="en-US" b="0" i="0" u="none" strike="noStrike" dirty="0">
+                <a:effectLst/>
+                <a:latin typeface="-apple-system"/>
+              </a:rPr>
+              <a:t>）：</a:t>
+            </a:r>
+            <a:r>
+              <a:rPr lang="zh-CN" altLang="en-US" b="1" i="0" dirty="0">
+                <a:solidFill>
+                  <a:srgbClr val="404040"/>
+                </a:solidFill>
+                <a:effectLst/>
+                <a:latin typeface="-apple-system"/>
+              </a:rPr>
+              <a:t>远程过程调用</a:t>
+            </a:r>
+            <a:endParaRPr lang="en-US" altLang="zh-CN" b="1" i="0" dirty="0">
+              <a:solidFill>
+                <a:srgbClr val="404040"/>
+              </a:solidFill>
+              <a:effectLst/>
+              <a:latin typeface="-apple-system"/>
+            </a:endParaRPr>
+          </a:p>
+          <a:p>
+            <a:r>
+              <a:rPr lang="en-US" altLang="zh-CN" dirty="0">
+                <a:solidFill>
+                  <a:srgbClr val="404040"/>
+                </a:solidFill>
+                <a:latin typeface="-apple-system"/>
+              </a:rPr>
+              <a:t>   </a:t>
+            </a:r>
+            <a:r>
+              <a:rPr lang="zh-CN" altLang="en-US" b="0" i="0" dirty="0">
+                <a:solidFill>
+                  <a:srgbClr val="404040"/>
+                </a:solidFill>
+                <a:effectLst/>
+                <a:latin typeface="-apple-system"/>
+              </a:rPr>
+              <a:t>简单的理解就是是一个节点请求另一个节点提供的服务</a:t>
+            </a:r>
+            <a:endParaRPr lang="en-US" altLang="zh-CN" b="0" i="0" dirty="0">
+              <a:solidFill>
+                <a:srgbClr val="404040"/>
+              </a:solidFill>
+              <a:effectLst/>
+              <a:latin typeface="-apple-system"/>
+            </a:endParaRPr>
+          </a:p>
+          <a:p>
+            <a:r>
+              <a:rPr lang="zh-CN" altLang="en-US" b="1" i="0" dirty="0">
+                <a:solidFill>
+                  <a:srgbClr val="404040"/>
+                </a:solidFill>
+                <a:effectLst/>
+                <a:latin typeface="-apple-system"/>
+              </a:rPr>
+              <a:t>主要功能：</a:t>
+            </a:r>
+            <a:endParaRPr lang="en-US" altLang="zh-CN" b="1" i="0" dirty="0">
+              <a:solidFill>
+                <a:srgbClr val="404040"/>
+              </a:solidFill>
+              <a:effectLst/>
+              <a:latin typeface="-apple-system"/>
+            </a:endParaRPr>
+          </a:p>
+          <a:p>
+            <a:pPr algn="l">
+              <a:buFont typeface="Arial" panose="020B0604020202020204" pitchFamily="34" charset="0"/>
+              <a:buChar char="•"/>
+            </a:pPr>
+            <a:r>
+              <a:rPr lang="zh-CN" altLang="en-US" i="0" dirty="0">
+                <a:solidFill>
+                  <a:srgbClr val="333333"/>
+                </a:solidFill>
+                <a:effectLst/>
+                <a:latin typeface="宋体" panose="02010600030101010101" pitchFamily="2" charset="-122"/>
+                <a:ea typeface="宋体" panose="02010600030101010101" pitchFamily="2" charset="-122"/>
+              </a:rPr>
+              <a:t>服务寻址</a:t>
+            </a:r>
+          </a:p>
+          <a:p>
+            <a:pPr algn="l">
+              <a:buFont typeface="Arial" panose="020B0604020202020204" pitchFamily="34" charset="0"/>
+              <a:buChar char="•"/>
+            </a:pPr>
+            <a:r>
+              <a:rPr lang="zh-CN" altLang="en-US" i="0" dirty="0">
+                <a:solidFill>
+                  <a:srgbClr val="333333"/>
+                </a:solidFill>
+                <a:effectLst/>
+                <a:latin typeface="宋体" panose="02010600030101010101" pitchFamily="2" charset="-122"/>
+                <a:ea typeface="宋体" panose="02010600030101010101" pitchFamily="2" charset="-122"/>
+              </a:rPr>
+              <a:t>数据流的序列化和反序列化</a:t>
+            </a:r>
+          </a:p>
+          <a:p>
+            <a:pPr algn="l">
+              <a:buFont typeface="Arial" panose="020B0604020202020204" pitchFamily="34" charset="0"/>
+              <a:buChar char="•"/>
+            </a:pPr>
+            <a:r>
+              <a:rPr lang="zh-CN" altLang="en-US" i="0" dirty="0">
+                <a:solidFill>
+                  <a:srgbClr val="333333"/>
+                </a:solidFill>
+                <a:effectLst/>
+                <a:latin typeface="宋体" panose="02010600030101010101" pitchFamily="2" charset="-122"/>
+                <a:ea typeface="宋体" panose="02010600030101010101" pitchFamily="2" charset="-122"/>
+              </a:rPr>
+              <a:t>网络传输</a:t>
+            </a:r>
           </a:p>
         </p:txBody>
       </p:sp>
       <p:pic>
         <p:nvPicPr>
-          <p:cNvPr id="4" name="图片 3"/>
+          <p:cNvPr id="1026" name="Picture 2">
+            <a:extLst>
+              <a:ext uri="{FF2B5EF4-FFF2-40B4-BE49-F238E27FC236}">
+                <a16:creationId xmlns:a16="http://schemas.microsoft.com/office/drawing/2014/main" id="{77D36294-FE58-44B2-9C85-78A8D14E91C6}"/>
+              </a:ext>
+            </a:extLst>
+          </p:cNvPr>
+          <p:cNvPicPr>
+            <a:picLocks noChangeAspect="1" noChangeArrowheads="1"/>
+          </p:cNvPicPr>
+          <p:nvPr/>
+        </p:nvPicPr>
+        <p:blipFill>
+          <a:blip r:embed="rId2">
+            <a:extLst>
+              <a:ext uri="{28A0092B-C50C-407E-A947-70E740481C1C}">
+                <a14:useLocalDpi xmlns:a14="http://schemas.microsoft.com/office/drawing/2010/main" val="0"/>
+              </a:ext>
+            </a:extLst>
+          </a:blip>
+          <a:srcRect/>
+          <a:stretch>
+            <a:fillRect/>
+          </a:stretch>
+        </p:blipFill>
+        <p:spPr bwMode="auto">
+          <a:xfrm>
+            <a:off x="5454143" y="1265911"/>
+            <a:ext cx="6072146" cy="4927855"/>
+          </a:xfrm>
+          <a:prstGeom prst="rect">
+            <a:avLst/>
+          </a:prstGeom>
+          <a:noFill/>
+          <a:ln>
+            <a:solidFill>
+              <a:schemeClr val="accent1"/>
+            </a:solidFill>
+          </a:ln>
+          <a:extLst>
+            <a:ext uri="{909E8E84-426E-40DD-AFC4-6F175D3DCCD1}">
+              <a14:hiddenFill xmlns:a14="http://schemas.microsoft.com/office/drawing/2010/main">
+                <a:solidFill>
+                  <a:srgbClr val="FFFFFF"/>
+                </a:solidFill>
+              </a14:hiddenFill>
+            </a:ext>
+          </a:extLst>
+        </p:spPr>
+      </p:pic>
+      <p:sp>
+        <p:nvSpPr>
+          <p:cNvPr id="7" name="AutoShape 4">
+            <a:extLst>
+              <a:ext uri="{FF2B5EF4-FFF2-40B4-BE49-F238E27FC236}">
+                <a16:creationId xmlns:a16="http://schemas.microsoft.com/office/drawing/2014/main" id="{31D72055-E8A6-46DB-8CD4-7D708A87CFFA}"/>
+              </a:ext>
+            </a:extLst>
+          </p:cNvPr>
+          <p:cNvSpPr>
+            <a:spLocks noChangeAspect="1" noChangeArrowheads="1"/>
+          </p:cNvSpPr>
+          <p:nvPr/>
+        </p:nvSpPr>
+        <p:spPr bwMode="auto">
+          <a:xfrm>
+            <a:off x="3278981" y="3276600"/>
+            <a:ext cx="2969419" cy="304800"/>
+          </a:xfrm>
+          <a:prstGeom prst="rect">
+            <a:avLst/>
+          </a:prstGeom>
+          <a:noFill/>
+          <a:extLst>
+            <a:ext uri="{909E8E84-426E-40DD-AFC4-6F175D3DCCD1}">
+              <a14:hiddenFill xmlns:a14="http://schemas.microsoft.com/office/drawing/2010/main">
+                <a:solidFill>
+                  <a:srgbClr val="FFFFFF"/>
+                </a:solidFill>
+              </a14:hiddenFill>
+            </a:ext>
+          </a:extLst>
+        </p:spPr>
+        <p:txBody>
+          <a:bodyPr vert="horz" wrap="square" lIns="91440" tIns="45720" rIns="91440" bIns="45720" numCol="1" anchor="t" anchorCtr="0" compatLnSpc="1">
+            <a:prstTxWarp prst="textNoShape">
+              <a:avLst/>
+            </a:prstTxWarp>
+          </a:bodyPr>
+          <a:lstStyle/>
+          <a:p>
+            <a:endParaRPr lang="zh-CN" altLang="en-US"/>
+          </a:p>
+        </p:txBody>
+      </p:sp>
+      <p:pic>
+        <p:nvPicPr>
+          <p:cNvPr id="10" name="图片 9">
+            <a:extLst>
+              <a:ext uri="{FF2B5EF4-FFF2-40B4-BE49-F238E27FC236}">
+                <a16:creationId xmlns:a16="http://schemas.microsoft.com/office/drawing/2014/main" id="{06886E8B-2475-4D58-AFAB-5E931A000C59}"/>
+              </a:ext>
+            </a:extLst>
+          </p:cNvPr>
           <p:cNvPicPr>
             <a:picLocks noChangeAspect="1"/>
           </p:cNvPicPr>
           <p:nvPr/>
         </p:nvPicPr>
         <p:blipFill>
-          <a:blip r:embed="rId2"/>
+          <a:blip r:embed="rId3">
+            <a:extLst>
+              <a:ext uri="{28A0092B-C50C-407E-A947-70E740481C1C}">
+                <a14:useLocalDpi xmlns:a14="http://schemas.microsoft.com/office/drawing/2010/main" val="0"/>
+              </a:ext>
+            </a:extLst>
+          </a:blip>
           <a:stretch>
             <a:fillRect/>
           </a:stretch>
         </p:blipFill>
         <p:spPr>
           <a:xfrm>
-            <a:off x="609600" y="1378744"/>
-            <a:ext cx="4612481" cy="4436269"/>
+            <a:off x="409201" y="3439041"/>
+            <a:ext cx="4856024" cy="3145037"/>
           </a:xfrm>
           <a:prstGeom prst="rect">
             <a:avLst/>
           </a:prstGeom>
+          <a:ln>
+            <a:solidFill>
+              <a:schemeClr val="accent1"/>
+            </a:solidFill>
+          </a:ln>
         </p:spPr>
       </p:pic>
     </p:spTree>
     <p:extLst>
       <p:ext uri="{BB962C8B-B14F-4D97-AF65-F5344CB8AC3E}">
-        <p14:creationId xmlns:p14="http://schemas.microsoft.com/office/powerpoint/2010/main" val="961823880"/>
+        <p14:creationId xmlns:p14="http://schemas.microsoft.com/office/powerpoint/2010/main" val="4155621096"/>
       </p:ext>
     </p:extLst>
   </p:cSld>
   <p:clrMapOvr>
     <a:masterClrMapping/>
   </p:clrMapOvr>
+  <mc:AlternateContent xmlns:mc="http://schemas.openxmlformats.org/markup-compatibility/2006" xmlns:p14="http://schemas.microsoft.com/office/powerpoint/2010/main">
+    <mc:Choice Requires="p14">
+      <p:transition spd="slow" p14:dur="2000" advTm="122402"/>
+    </mc:Choice>
+    <mc:Fallback xmlns="">
+      <p:transition spd="slow" advTm="122402"/>
+    </mc:Fallback>
+  </mc:AlternateContent>
 </p:sld>
 </file>
 
@@ -3347,7 +3639,7 @@
           <a:p>
             <a:r>
               <a:rPr lang="zh-CN" altLang="en-US" dirty="0"/>
-              <a:t>服务治理</a:t>
+              <a:t>服务化之服务治理</a:t>
             </a:r>
           </a:p>
         </p:txBody>
@@ -3386,6 +3678,14 @@
   <p:clrMapOvr>
     <a:masterClrMapping/>
   </p:clrMapOvr>
+  <mc:AlternateContent xmlns:mc="http://schemas.openxmlformats.org/markup-compatibility/2006" xmlns:p14="http://schemas.microsoft.com/office/powerpoint/2010/main">
+    <mc:Choice Requires="p14">
+      <p:transition spd="slow" p14:dur="2000" advTm="41191"/>
+    </mc:Choice>
+    <mc:Fallback xmlns="">
+      <p:transition spd="slow" advTm="41191"/>
+    </mc:Fallback>
+  </mc:AlternateContent>
 </p:sld>
 </file>
 
@@ -3450,7 +3750,7 @@
         <p:spPr>
           <a:xfrm>
             <a:off x="578644" y="1297306"/>
-            <a:ext cx="8551069" cy="4247317"/>
+            <a:ext cx="8551069" cy="4385816"/>
           </a:xfrm>
           <a:prstGeom prst="rect">
             <a:avLst/>
@@ -3500,7 +3800,7 @@
                 <a:latin typeface="华文宋体" panose="02010600040101010101" pitchFamily="2" charset="-122"/>
                 <a:ea typeface="华文宋体" panose="02010600040101010101" pitchFamily="2" charset="-122"/>
               </a:rPr>
-              <a:t>处理服务调用之间的关系</a:t>
+              <a:t>服务发布和发现（谁是提供者，谁是消费者，要注册到哪里）</a:t>
             </a:r>
             <a:endParaRPr lang="en-US" altLang="zh-CN" dirty="0">
               <a:solidFill>
@@ -3523,7 +3823,7 @@
                 <a:latin typeface="华文宋体" panose="02010600040101010101" pitchFamily="2" charset="-122"/>
                 <a:ea typeface="华文宋体" panose="02010600040101010101" pitchFamily="2" charset="-122"/>
               </a:rPr>
-              <a:t>服务发布和发现（谁是提供者，谁是消费者，要注册到哪里）</a:t>
+              <a:t>服务调用之间的关系</a:t>
             </a:r>
             <a:endParaRPr lang="en-US" altLang="zh-CN" dirty="0">
               <a:solidFill>
@@ -3546,30 +3846,7 @@
                 <a:latin typeface="华文宋体" panose="02010600040101010101" pitchFamily="2" charset="-122"/>
                 <a:ea typeface="华文宋体" panose="02010600040101010101" pitchFamily="2" charset="-122"/>
               </a:rPr>
-              <a:t>出了故障谁调用谁</a:t>
-            </a:r>
-            <a:endParaRPr lang="en-US" altLang="zh-CN" dirty="0">
-              <a:solidFill>
-                <a:srgbClr val="4D4D4D"/>
-              </a:solidFill>
-              <a:latin typeface="华文宋体" panose="02010600040101010101" pitchFamily="2" charset="-122"/>
-              <a:ea typeface="华文宋体" panose="02010600040101010101" pitchFamily="2" charset="-122"/>
-            </a:endParaRPr>
-          </a:p>
-          <a:p>
-            <a:pPr marL="742950" lvl="1" indent="-285750">
-              <a:buFont typeface="Arial" panose="020B0604020202020204" pitchFamily="34" charset="0"/>
-              <a:buChar char="•"/>
-            </a:pPr>
-            <a:r>
-              <a:rPr lang="zh-CN" altLang="en-US" dirty="0">
-                <a:solidFill>
-                  <a:srgbClr val="4D4D4D"/>
-                </a:solidFill>
-                <a:latin typeface="华文宋体" panose="02010600040101010101" pitchFamily="2" charset="-122"/>
-                <a:ea typeface="华文宋体" panose="02010600040101010101" pitchFamily="2" charset="-122"/>
-              </a:rPr>
-              <a:t>服务的参数都有哪些约束</a:t>
+              <a:t>服务间的传输协议以及参数都有哪些约束</a:t>
             </a:r>
             <a:endParaRPr lang="en-US" altLang="zh-CN" dirty="0">
               <a:solidFill>
@@ -3706,6 +3983,25 @@
               <a:buChar char="•"/>
             </a:pPr>
             <a:r>
+              <a:rPr lang="en-US" altLang="zh-CN" dirty="0">
+                <a:solidFill>
+                  <a:srgbClr val="4D4D4D"/>
+                </a:solidFill>
+                <a:latin typeface="华文宋体" panose="02010600040101010101" pitchFamily="2" charset="-122"/>
+                <a:ea typeface="华文宋体" panose="02010600040101010101" pitchFamily="2" charset="-122"/>
+              </a:rPr>
+              <a:t>Dubbo</a:t>
+            </a:r>
+          </a:p>
+          <a:p>
+            <a:pPr marL="742950" lvl="1" indent="-285750">
+              <a:lnSpc>
+                <a:spcPct val="150000"/>
+              </a:lnSpc>
+              <a:buFont typeface="Arial" panose="020B0604020202020204" pitchFamily="34" charset="0"/>
+              <a:buChar char="•"/>
+            </a:pPr>
+            <a:r>
               <a:rPr lang="en-US" altLang="zh-CN" dirty="0" err="1">
                 <a:solidFill>
                   <a:srgbClr val="4D4D4D"/>
@@ -3713,7 +4009,7 @@
                 <a:latin typeface="华文宋体" panose="02010600040101010101" pitchFamily="2" charset="-122"/>
                 <a:ea typeface="华文宋体" panose="02010600040101010101" pitchFamily="2" charset="-122"/>
               </a:rPr>
-              <a:t>Dubbo</a:t>
+              <a:t>DubboX</a:t>
             </a:r>
             <a:endParaRPr lang="en-US" altLang="zh-CN" dirty="0">
               <a:solidFill>
@@ -3739,7 +4035,7 @@
                 <a:latin typeface="华文宋体" panose="02010600040101010101" pitchFamily="2" charset="-122"/>
                 <a:ea typeface="华文宋体" panose="02010600040101010101" pitchFamily="2" charset="-122"/>
               </a:rPr>
-              <a:t>Spring cloud Eureka</a:t>
+              <a:t>Spring Cloud Eureka</a:t>
             </a:r>
           </a:p>
           <a:p>
@@ -3761,6 +4057,14 @@
   <p:clrMapOvr>
     <a:masterClrMapping/>
   </p:clrMapOvr>
+  <mc:AlternateContent xmlns:mc="http://schemas.openxmlformats.org/markup-compatibility/2006" xmlns:p14="http://schemas.microsoft.com/office/powerpoint/2010/main">
+    <mc:Choice Requires="p14">
+      <p:transition spd="slow" p14:dur="2000" advTm="458"/>
+    </mc:Choice>
+    <mc:Fallback xmlns="">
+      <p:transition spd="slow" advTm="458"/>
+    </mc:Fallback>
+  </mc:AlternateContent>
 </p:sld>
 </file>
 
@@ -4004,6 +4308,14 @@
   <p:clrMapOvr>
     <a:masterClrMapping/>
   </p:clrMapOvr>
+  <mc:AlternateContent xmlns:mc="http://schemas.openxmlformats.org/markup-compatibility/2006" xmlns:p14="http://schemas.microsoft.com/office/powerpoint/2010/main">
+    <mc:Choice Requires="p14">
+      <p:transition spd="slow" p14:dur="2000" advTm="122504"/>
+    </mc:Choice>
+    <mc:Fallback xmlns="">
+      <p:transition spd="slow" advTm="122504"/>
+    </mc:Fallback>
+  </mc:AlternateContent>
 </p:sld>
 </file>
 
@@ -4221,6 +4533,14 @@
   <p:clrMapOvr>
     <a:masterClrMapping/>
   </p:clrMapOvr>
+  <mc:AlternateContent xmlns:mc="http://schemas.openxmlformats.org/markup-compatibility/2006" xmlns:p14="http://schemas.microsoft.com/office/powerpoint/2010/main">
+    <mc:Choice Requires="p14">
+      <p:transition spd="slow" p14:dur="2000" advTm="52571"/>
+    </mc:Choice>
+    <mc:Fallback xmlns="">
+      <p:transition spd="slow" advTm="52571"/>
+    </mc:Fallback>
+  </mc:AlternateContent>
 </p:sld>
 </file>
 
@@ -4548,6 +4868,14 @@
   <p:clrMapOvr>
     <a:masterClrMapping/>
   </p:clrMapOvr>
+  <mc:AlternateContent xmlns:mc="http://schemas.openxmlformats.org/markup-compatibility/2006" xmlns:p14="http://schemas.microsoft.com/office/powerpoint/2010/main">
+    <mc:Choice Requires="p14">
+      <p:transition spd="slow" p14:dur="2000" advTm="78369"/>
+    </mc:Choice>
+    <mc:Fallback xmlns="">
+      <p:transition spd="slow" advTm="78369"/>
+    </mc:Fallback>
+  </mc:AlternateContent>
 </p:sld>
 </file>
 
@@ -4845,6 +5173,14 @@
   <p:clrMapOvr>
     <a:masterClrMapping/>
   </p:clrMapOvr>
+  <mc:AlternateContent xmlns:mc="http://schemas.openxmlformats.org/markup-compatibility/2006" xmlns:p14="http://schemas.microsoft.com/office/powerpoint/2010/main">
+    <mc:Choice Requires="p14">
+      <p:transition spd="slow" p14:dur="2000" advTm="140759"/>
+    </mc:Choice>
+    <mc:Fallback xmlns="">
+      <p:transition spd="slow" advTm="140759"/>
+    </mc:Fallback>
+  </mc:AlternateContent>
 </p:sld>
 </file>
 
@@ -4895,7 +5231,7 @@
             </a:r>
             <a:r>
               <a:rPr lang="zh-CN" altLang="en-US" sz="3600" dirty="0"/>
-              <a:t>调用链</a:t>
+              <a:t>异步化（削峰）</a:t>
             </a:r>
           </a:p>
         </p:txBody>
@@ -4908,8 +5244,8 @@
         </p:nvSpPr>
         <p:spPr>
           <a:xfrm>
-            <a:off x="757240" y="1185863"/>
-            <a:ext cx="4879180" cy="4108817"/>
+            <a:off x="907257" y="1961675"/>
+            <a:ext cx="7465218" cy="1754326"/>
           </a:xfrm>
           <a:prstGeom prst="rect">
             <a:avLst/>
@@ -4921,7 +5257,7 @@
           </a:bodyPr>
           <a:lstStyle/>
           <a:p>
-            <a:pPr marL="285750" indent="-285750">
+            <a:pPr marL="742950" lvl="1" indent="-285750">
               <a:lnSpc>
                 <a:spcPct val="150000"/>
               </a:lnSpc>
@@ -4936,7 +5272,7 @@
                 <a:latin typeface="华文宋体" panose="02010600040101010101" pitchFamily="2" charset="-122"/>
                 <a:ea typeface="华文宋体" panose="02010600040101010101" pitchFamily="2" charset="-122"/>
               </a:rPr>
-              <a:t>需求：</a:t>
+              <a:t>场景：</a:t>
             </a:r>
             <a:endParaRPr lang="en-US" altLang="zh-CN" dirty="0">
               <a:solidFill>
@@ -4947,45 +5283,18 @@
             </a:endParaRPr>
           </a:p>
           <a:p>
+            <a:pPr marL="1200150" lvl="2" indent="-285750">
+              <a:buFont typeface="Arial" panose="020B0604020202020204" pitchFamily="34" charset="0"/>
+              <a:buChar char="•"/>
+            </a:pPr>
+            <a:r>
+              <a:rPr lang="zh-CN" altLang="en-US" dirty="0"/>
+              <a:t>秒杀、火车票等，瞬间大流量冲击下，保证系统的稳定性</a:t>
+            </a:r>
+            <a:endParaRPr lang="en-US" altLang="zh-CN" dirty="0"/>
+          </a:p>
+          <a:p>
             <a:pPr marL="742950" lvl="1" indent="-285750">
-              <a:buFont typeface="Arial" panose="020B0604020202020204" pitchFamily="34" charset="0"/>
-              <a:buChar char="•"/>
-            </a:pPr>
-            <a:r>
-              <a:rPr lang="zh-CN" altLang="en-US" dirty="0"/>
-              <a:t>图形化展示整个调用链路</a:t>
-            </a:r>
-          </a:p>
-          <a:p>
-            <a:pPr marL="742950" lvl="1" indent="-285750">
-              <a:buFont typeface="Arial" panose="020B0604020202020204" pitchFamily="34" charset="0"/>
-              <a:buChar char="•"/>
-            </a:pPr>
-            <a:r>
-              <a:rPr lang="zh-CN" altLang="en-US" dirty="0"/>
-              <a:t>系统的性能指标</a:t>
-            </a:r>
-          </a:p>
-          <a:p>
-            <a:pPr marL="742950" lvl="1" indent="-285750">
-              <a:buFont typeface="Arial" panose="020B0604020202020204" pitchFamily="34" charset="0"/>
-              <a:buChar char="•"/>
-            </a:pPr>
-            <a:r>
-              <a:rPr lang="zh-CN" altLang="en-US" dirty="0"/>
-              <a:t>健康状况</a:t>
-            </a:r>
-            <a:r>
-              <a:rPr lang="en-US" altLang="zh-CN" dirty="0"/>
-              <a:t>/</a:t>
-            </a:r>
-            <a:r>
-              <a:rPr lang="zh-CN" altLang="en-US" dirty="0"/>
-              <a:t>基础告警</a:t>
-            </a:r>
-          </a:p>
-          <a:p>
-            <a:pPr marL="285750" indent="-285750">
               <a:lnSpc>
                 <a:spcPct val="150000"/>
               </a:lnSpc>
@@ -5000,7 +5309,7 @@
                 <a:latin typeface="华文宋体" panose="02010600040101010101" pitchFamily="2" charset="-122"/>
                 <a:ea typeface="华文宋体" panose="02010600040101010101" pitchFamily="2" charset="-122"/>
               </a:rPr>
-              <a:t>原理：</a:t>
+              <a:t>方案：</a:t>
             </a:r>
             <a:endParaRPr lang="en-US" altLang="zh-CN" dirty="0">
               <a:solidFill>
@@ -5011,159 +5320,63 @@
             </a:endParaRPr>
           </a:p>
           <a:p>
-            <a:pPr marL="742950" lvl="1" indent="-285750">
-              <a:buFont typeface="Arial" panose="020B0604020202020204" pitchFamily="34" charset="0"/>
-              <a:buChar char="•"/>
-            </a:pPr>
-            <a:r>
-              <a:rPr lang="en-US" altLang="zh-CN" dirty="0" err="1"/>
-              <a:t>RootSpan</a:t>
-            </a:r>
-            <a:r>
-              <a:rPr lang="zh-CN" altLang="en-US" dirty="0"/>
-              <a:t>会生成一个</a:t>
+            <a:pPr marL="1200150" lvl="2" indent="-285750">
+              <a:buFont typeface="Arial" panose="020B0604020202020204" pitchFamily="34" charset="0"/>
+              <a:buChar char="•"/>
+            </a:pPr>
+            <a:r>
+              <a:rPr lang="zh-CN" altLang="en-US" dirty="0"/>
+              <a:t>请求异步化（消息队列）</a:t>
+            </a:r>
+            <a:endParaRPr lang="en-US" altLang="zh-CN" dirty="0"/>
+          </a:p>
+          <a:p>
+            <a:pPr marL="1200150" lvl="2" indent="-285750">
+              <a:buFont typeface="Arial" panose="020B0604020202020204" pitchFamily="34" charset="0"/>
+              <a:buChar char="•"/>
+            </a:pPr>
+            <a:r>
+              <a:rPr lang="zh-CN" altLang="en-US" dirty="0"/>
+              <a:t>层层削峰</a:t>
             </a:r>
             <a:r>
               <a:rPr lang="en-US" altLang="zh-CN" dirty="0"/>
-              <a:t>Trace id</a:t>
-            </a:r>
-            <a:r>
-              <a:rPr lang="zh-CN" altLang="en-US" dirty="0"/>
-              <a:t>以及</a:t>
+              <a:t>(CDN-&gt;</a:t>
+            </a:r>
+            <a:r>
+              <a:rPr lang="zh-CN" altLang="en-US" dirty="0"/>
+              <a:t>缓存</a:t>
             </a:r>
             <a:r>
               <a:rPr lang="en-US" altLang="zh-CN" dirty="0"/>
-              <a:t>parent span id</a:t>
-            </a:r>
-          </a:p>
-          <a:p>
-            <a:pPr marL="742950" lvl="1" indent="-285750">
-              <a:buFont typeface="Arial" panose="020B0604020202020204" pitchFamily="34" charset="0"/>
-              <a:buChar char="•"/>
-            </a:pPr>
-            <a:r>
-              <a:rPr lang="en-US" altLang="zh-CN" dirty="0"/>
-              <a:t>Trace id</a:t>
-            </a:r>
-            <a:r>
-              <a:rPr lang="zh-CN" altLang="en-US" dirty="0"/>
-              <a:t>是整个调用链的监控跟踪</a:t>
-            </a:r>
-            <a:r>
-              <a:rPr lang="en-US" altLang="zh-CN" dirty="0"/>
-              <a:t>ID</a:t>
-            </a:r>
-          </a:p>
-          <a:p>
-            <a:pPr marL="742950" lvl="1" indent="-285750">
-              <a:buFont typeface="Arial" panose="020B0604020202020204" pitchFamily="34" charset="0"/>
-              <a:buChar char="•"/>
-            </a:pPr>
-            <a:r>
-              <a:rPr lang="en-US" altLang="zh-CN" dirty="0"/>
-              <a:t>span</a:t>
-            </a:r>
-            <a:r>
-              <a:rPr lang="zh-CN" altLang="en-US" dirty="0"/>
-              <a:t>是服务中一次请求以及对应响应这个</a:t>
-            </a:r>
-            <a:r>
-              <a:rPr lang="en-US" altLang="zh-CN" dirty="0"/>
-              <a:t>span</a:t>
-            </a:r>
-            <a:r>
-              <a:rPr lang="zh-CN" altLang="en-US" dirty="0"/>
-              <a:t>的</a:t>
-            </a:r>
-            <a:r>
-              <a:rPr lang="en-US" altLang="zh-CN" dirty="0"/>
-              <a:t>id</a:t>
-            </a:r>
-          </a:p>
-          <a:p>
-            <a:pPr marL="285750" indent="-285750">
-              <a:lnSpc>
-                <a:spcPct val="150000"/>
-              </a:lnSpc>
-              <a:buFont typeface="Wingdings" panose="05000000000000000000" pitchFamily="2" charset="2"/>
-              <a:buChar char="u"/>
-            </a:pPr>
-            <a:r>
-              <a:rPr lang="zh-CN" altLang="en-US" dirty="0">
-                <a:solidFill>
-                  <a:srgbClr val="4D4D4D"/>
-                </a:solidFill>
-                <a:latin typeface="华文宋体" panose="02010600040101010101" pitchFamily="2" charset="-122"/>
-                <a:ea typeface="华文宋体" panose="02010600040101010101" pitchFamily="2" charset="-122"/>
-              </a:rPr>
-              <a:t>策略：</a:t>
-            </a:r>
-            <a:endParaRPr lang="en-US" altLang="zh-CN" dirty="0">
-              <a:solidFill>
-                <a:srgbClr val="4D4D4D"/>
-              </a:solidFill>
-              <a:latin typeface="华文宋体" panose="02010600040101010101" pitchFamily="2" charset="-122"/>
-              <a:ea typeface="华文宋体" panose="02010600040101010101" pitchFamily="2" charset="-122"/>
-            </a:endParaRPr>
-          </a:p>
-          <a:p>
-            <a:pPr marL="742950" lvl="1" indent="-285750">
-              <a:buFont typeface="Arial" panose="020B0604020202020204" pitchFamily="34" charset="0"/>
-              <a:buChar char="•"/>
-            </a:pPr>
-            <a:r>
-              <a:rPr lang="zh-CN" altLang="en-US" dirty="0"/>
-              <a:t>资源隔离</a:t>
+              <a:t>-&gt;</a:t>
+            </a:r>
+            <a:r>
+              <a:rPr lang="zh-CN" altLang="en-US" dirty="0"/>
+              <a:t>后台请求等逐级过滤）</a:t>
             </a:r>
             <a:endParaRPr lang="en-US" altLang="zh-CN" dirty="0"/>
           </a:p>
-          <a:p>
-            <a:pPr marL="742950" lvl="1" indent="-285750">
-              <a:buFont typeface="Arial" panose="020B0604020202020204" pitchFamily="34" charset="0"/>
-              <a:buChar char="•"/>
-            </a:pPr>
-            <a:r>
-              <a:rPr lang="zh-CN" altLang="en-US" dirty="0"/>
-              <a:t>服务降级（客户端熔断）</a:t>
-            </a:r>
-            <a:endParaRPr lang="en-US" altLang="zh-CN" dirty="0"/>
-          </a:p>
-        </p:txBody>
-      </p:sp>
-      <p:pic>
-        <p:nvPicPr>
-          <p:cNvPr id="4" name="图片 3"/>
-          <p:cNvPicPr>
-            <a:picLocks noChangeAspect="1"/>
-          </p:cNvPicPr>
-          <p:nvPr/>
-        </p:nvPicPr>
-        <p:blipFill>
-          <a:blip r:embed="rId2"/>
-          <a:stretch>
-            <a:fillRect/>
-          </a:stretch>
-        </p:blipFill>
-        <p:spPr>
-          <a:xfrm>
-            <a:off x="5750718" y="1057274"/>
-            <a:ext cx="5343525" cy="4350543"/>
-          </a:xfrm>
-          <a:prstGeom prst="rect">
-            <a:avLst/>
-          </a:prstGeom>
-        </p:spPr>
-      </p:pic>
+        </p:txBody>
+      </p:sp>
     </p:spTree>
     <p:extLst>
       <p:ext uri="{BB962C8B-B14F-4D97-AF65-F5344CB8AC3E}">
-        <p14:creationId xmlns:p14="http://schemas.microsoft.com/office/powerpoint/2010/main" val="2305311389"/>
+        <p14:creationId xmlns:p14="http://schemas.microsoft.com/office/powerpoint/2010/main" val="3526166262"/>
       </p:ext>
     </p:extLst>
   </p:cSld>
   <p:clrMapOvr>
     <a:masterClrMapping/>
   </p:clrMapOvr>
+  <mc:AlternateContent xmlns:mc="http://schemas.openxmlformats.org/markup-compatibility/2006">
+    <mc:Choice xmlns:p14="http://schemas.microsoft.com/office/powerpoint/2010/main" Requires="p14">
+      <p:transition spd="slow" p14:dur="2000" advTm="140759"/>
+    </mc:Choice>
+    <mc:Fallback>
+      <p:transition spd="slow" advTm="140759"/>
+    </mc:Fallback>
+  </mc:AlternateContent>
 </p:sld>
 </file>
 
@@ -5214,14 +5427,244 @@
             </a:r>
             <a:r>
               <a:rPr lang="zh-CN" altLang="en-US" sz="3600" dirty="0"/>
-              <a:t>调用链框架</a:t>
-            </a:r>
+              <a:t>调用链</a:t>
+            </a:r>
+          </a:p>
+        </p:txBody>
+      </p:sp>
+      <p:sp>
+        <p:nvSpPr>
+          <p:cNvPr id="3" name="矩形 2"/>
+          <p:cNvSpPr/>
+          <p:nvPr/>
+        </p:nvSpPr>
+        <p:spPr>
+          <a:xfrm>
+            <a:off x="757240" y="1185863"/>
+            <a:ext cx="4879180" cy="4108817"/>
+          </a:xfrm>
+          <a:prstGeom prst="rect">
+            <a:avLst/>
+          </a:prstGeom>
+        </p:spPr>
+        <p:txBody>
+          <a:bodyPr wrap="square">
+            <a:spAutoFit/>
+          </a:bodyPr>
+          <a:lstStyle/>
+          <a:p>
+            <a:pPr marL="285750" indent="-285750">
+              <a:lnSpc>
+                <a:spcPct val="150000"/>
+              </a:lnSpc>
+              <a:buFont typeface="Wingdings" panose="05000000000000000000" pitchFamily="2" charset="2"/>
+              <a:buChar char="u"/>
+            </a:pPr>
+            <a:r>
+              <a:rPr lang="zh-CN" altLang="en-US" dirty="0">
+                <a:solidFill>
+                  <a:srgbClr val="4D4D4D"/>
+                </a:solidFill>
+                <a:latin typeface="华文宋体" panose="02010600040101010101" pitchFamily="2" charset="-122"/>
+                <a:ea typeface="华文宋体" panose="02010600040101010101" pitchFamily="2" charset="-122"/>
+              </a:rPr>
+              <a:t>需求：</a:t>
+            </a:r>
+            <a:endParaRPr lang="en-US" altLang="zh-CN" dirty="0">
+              <a:solidFill>
+                <a:srgbClr val="4D4D4D"/>
+              </a:solidFill>
+              <a:latin typeface="华文宋体" panose="02010600040101010101" pitchFamily="2" charset="-122"/>
+              <a:ea typeface="华文宋体" panose="02010600040101010101" pitchFamily="2" charset="-122"/>
+            </a:endParaRPr>
+          </a:p>
+          <a:p>
+            <a:pPr marL="742950" lvl="1" indent="-285750">
+              <a:buFont typeface="Arial" panose="020B0604020202020204" pitchFamily="34" charset="0"/>
+              <a:buChar char="•"/>
+            </a:pPr>
+            <a:r>
+              <a:rPr lang="zh-CN" altLang="en-US" dirty="0"/>
+              <a:t>图形化展示整个调用链路</a:t>
+            </a:r>
+          </a:p>
+          <a:p>
+            <a:pPr marL="742950" lvl="1" indent="-285750">
+              <a:buFont typeface="Arial" panose="020B0604020202020204" pitchFamily="34" charset="0"/>
+              <a:buChar char="•"/>
+            </a:pPr>
+            <a:r>
+              <a:rPr lang="zh-CN" altLang="en-US" dirty="0"/>
+              <a:t>系统的性能指标</a:t>
+            </a:r>
+          </a:p>
+          <a:p>
+            <a:pPr marL="742950" lvl="1" indent="-285750">
+              <a:buFont typeface="Arial" panose="020B0604020202020204" pitchFamily="34" charset="0"/>
+              <a:buChar char="•"/>
+            </a:pPr>
+            <a:r>
+              <a:rPr lang="zh-CN" altLang="en-US" dirty="0"/>
+              <a:t>健康状况</a:t>
+            </a:r>
+            <a:r>
+              <a:rPr lang="en-US" altLang="zh-CN" dirty="0"/>
+              <a:t>/</a:t>
+            </a:r>
+            <a:r>
+              <a:rPr lang="zh-CN" altLang="en-US" dirty="0"/>
+              <a:t>基础告警</a:t>
+            </a:r>
+          </a:p>
+          <a:p>
+            <a:pPr marL="285750" indent="-285750">
+              <a:lnSpc>
+                <a:spcPct val="150000"/>
+              </a:lnSpc>
+              <a:buFont typeface="Wingdings" panose="05000000000000000000" pitchFamily="2" charset="2"/>
+              <a:buChar char="u"/>
+            </a:pPr>
+            <a:r>
+              <a:rPr lang="zh-CN" altLang="en-US" dirty="0">
+                <a:solidFill>
+                  <a:srgbClr val="4D4D4D"/>
+                </a:solidFill>
+                <a:latin typeface="华文宋体" panose="02010600040101010101" pitchFamily="2" charset="-122"/>
+                <a:ea typeface="华文宋体" panose="02010600040101010101" pitchFamily="2" charset="-122"/>
+              </a:rPr>
+              <a:t>原理：</a:t>
+            </a:r>
+            <a:endParaRPr lang="en-US" altLang="zh-CN" dirty="0">
+              <a:solidFill>
+                <a:srgbClr val="4D4D4D"/>
+              </a:solidFill>
+              <a:latin typeface="华文宋体" panose="02010600040101010101" pitchFamily="2" charset="-122"/>
+              <a:ea typeface="华文宋体" panose="02010600040101010101" pitchFamily="2" charset="-122"/>
+            </a:endParaRPr>
+          </a:p>
+          <a:p>
+            <a:pPr marL="742950" lvl="1" indent="-285750">
+              <a:buFont typeface="Arial" panose="020B0604020202020204" pitchFamily="34" charset="0"/>
+              <a:buChar char="•"/>
+            </a:pPr>
+            <a:r>
+              <a:rPr lang="en-US" altLang="zh-CN" dirty="0" err="1"/>
+              <a:t>RootSpan</a:t>
+            </a:r>
+            <a:r>
+              <a:rPr lang="zh-CN" altLang="en-US" dirty="0"/>
+              <a:t>会生成一个</a:t>
+            </a:r>
+            <a:r>
+              <a:rPr lang="en-US" altLang="zh-CN" dirty="0"/>
+              <a:t>Trace id</a:t>
+            </a:r>
+            <a:r>
+              <a:rPr lang="zh-CN" altLang="en-US" dirty="0"/>
+              <a:t>以及</a:t>
+            </a:r>
+            <a:r>
+              <a:rPr lang="en-US" altLang="zh-CN" dirty="0"/>
+              <a:t>parent span id</a:t>
+            </a:r>
+          </a:p>
+          <a:p>
+            <a:pPr marL="742950" lvl="1" indent="-285750">
+              <a:buFont typeface="Arial" panose="020B0604020202020204" pitchFamily="34" charset="0"/>
+              <a:buChar char="•"/>
+            </a:pPr>
+            <a:r>
+              <a:rPr lang="en-US" altLang="zh-CN" dirty="0"/>
+              <a:t>Trace id</a:t>
+            </a:r>
+            <a:r>
+              <a:rPr lang="zh-CN" altLang="en-US" dirty="0"/>
+              <a:t>是整个调用链的监控跟踪</a:t>
+            </a:r>
+            <a:r>
+              <a:rPr lang="en-US" altLang="zh-CN" dirty="0"/>
+              <a:t>ID</a:t>
+            </a:r>
+          </a:p>
+          <a:p>
+            <a:pPr marL="742950" lvl="1" indent="-285750">
+              <a:buFont typeface="Arial" panose="020B0604020202020204" pitchFamily="34" charset="0"/>
+              <a:buChar char="•"/>
+            </a:pPr>
+            <a:r>
+              <a:rPr lang="en-US" altLang="zh-CN" dirty="0"/>
+              <a:t>span</a:t>
+            </a:r>
+            <a:r>
+              <a:rPr lang="zh-CN" altLang="en-US" dirty="0"/>
+              <a:t>是服务中一次请求以及对应响应这个</a:t>
+            </a:r>
+            <a:r>
+              <a:rPr lang="en-US" altLang="zh-CN" dirty="0"/>
+              <a:t>span</a:t>
+            </a:r>
+            <a:r>
+              <a:rPr lang="zh-CN" altLang="en-US" dirty="0"/>
+              <a:t>的</a:t>
+            </a:r>
+            <a:r>
+              <a:rPr lang="en-US" altLang="zh-CN" dirty="0"/>
+              <a:t>id</a:t>
+            </a:r>
+          </a:p>
+          <a:p>
+            <a:pPr marL="285750" indent="-285750">
+              <a:lnSpc>
+                <a:spcPct val="150000"/>
+              </a:lnSpc>
+              <a:buFont typeface="Wingdings" panose="05000000000000000000" pitchFamily="2" charset="2"/>
+              <a:buChar char="u"/>
+            </a:pPr>
+            <a:r>
+              <a:rPr lang="zh-CN" altLang="en-US" dirty="0">
+                <a:solidFill>
+                  <a:srgbClr val="4D4D4D"/>
+                </a:solidFill>
+                <a:latin typeface="华文宋体" panose="02010600040101010101" pitchFamily="2" charset="-122"/>
+                <a:ea typeface="华文宋体" panose="02010600040101010101" pitchFamily="2" charset="-122"/>
+              </a:rPr>
+              <a:t>策略：</a:t>
+            </a:r>
+            <a:endParaRPr lang="en-US" altLang="zh-CN" dirty="0">
+              <a:solidFill>
+                <a:srgbClr val="4D4D4D"/>
+              </a:solidFill>
+              <a:latin typeface="华文宋体" panose="02010600040101010101" pitchFamily="2" charset="-122"/>
+              <a:ea typeface="华文宋体" panose="02010600040101010101" pitchFamily="2" charset="-122"/>
+            </a:endParaRPr>
+          </a:p>
+          <a:p>
+            <a:pPr marL="742950" lvl="1" indent="-285750">
+              <a:buFont typeface="Arial" panose="020B0604020202020204" pitchFamily="34" charset="0"/>
+              <a:buChar char="•"/>
+            </a:pPr>
+            <a:r>
+              <a:rPr lang="zh-CN" altLang="en-US" dirty="0"/>
+              <a:t>资源隔离</a:t>
+            </a:r>
+            <a:endParaRPr lang="en-US" altLang="zh-CN" dirty="0"/>
+          </a:p>
+          <a:p>
+            <a:pPr marL="742950" lvl="1" indent="-285750">
+              <a:buFont typeface="Arial" panose="020B0604020202020204" pitchFamily="34" charset="0"/>
+              <a:buChar char="•"/>
+            </a:pPr>
+            <a:r>
+              <a:rPr lang="zh-CN" altLang="en-US" dirty="0"/>
+              <a:t>服务降级（客户端熔断）</a:t>
+            </a:r>
+            <a:endParaRPr lang="en-US" altLang="zh-CN" dirty="0"/>
           </a:p>
         </p:txBody>
       </p:sp>
       <p:pic>
         <p:nvPicPr>
-          <p:cNvPr id="5" name="图片 4"/>
+          <p:cNvPr id="4" name="图片 3"/>
           <p:cNvPicPr>
             <a:picLocks noChangeAspect="1"/>
           </p:cNvPicPr>
@@ -5235,8 +5678,8 @@
         </p:blipFill>
         <p:spPr>
           <a:xfrm>
-            <a:off x="671513" y="1221582"/>
-            <a:ext cx="9236868" cy="5172075"/>
+            <a:off x="5750718" y="1057274"/>
+            <a:ext cx="5343525" cy="4350543"/>
           </a:xfrm>
           <a:prstGeom prst="rect">
             <a:avLst/>
@@ -5246,13 +5689,21 @@
     </p:spTree>
     <p:extLst>
       <p:ext uri="{BB962C8B-B14F-4D97-AF65-F5344CB8AC3E}">
-        <p14:creationId xmlns:p14="http://schemas.microsoft.com/office/powerpoint/2010/main" val="4148971955"/>
+        <p14:creationId xmlns:p14="http://schemas.microsoft.com/office/powerpoint/2010/main" val="2305311389"/>
       </p:ext>
     </p:extLst>
   </p:cSld>
   <p:clrMapOvr>
     <a:masterClrMapping/>
   </p:clrMapOvr>
+  <mc:AlternateContent xmlns:mc="http://schemas.openxmlformats.org/markup-compatibility/2006" xmlns:p14="http://schemas.microsoft.com/office/powerpoint/2010/main">
+    <mc:Choice Requires="p14">
+      <p:transition spd="slow" p14:dur="2000" advTm="68190"/>
+    </mc:Choice>
+    <mc:Fallback xmlns="">
+      <p:transition spd="slow" advTm="68190"/>
+    </mc:Fallback>
+  </mc:AlternateContent>
 </p:sld>
 </file>
 
@@ -5295,214 +5746,61 @@
           <a:p>
             <a:r>
               <a:rPr lang="zh-CN" altLang="en-US" dirty="0"/>
-              <a:t>服务网格（</a:t>
+              <a:t>服务治理</a:t>
             </a:r>
             <a:r>
               <a:rPr lang="en-US" altLang="zh-CN" dirty="0"/>
-              <a:t>service mesh</a:t>
-            </a:r>
-            <a:r>
-              <a:rPr lang="zh-CN" altLang="en-US" dirty="0"/>
-              <a:t>）</a:t>
-            </a:r>
-          </a:p>
-        </p:txBody>
-      </p:sp>
-      <p:sp>
-        <p:nvSpPr>
-          <p:cNvPr id="5" name="矩形 4"/>
-          <p:cNvSpPr/>
+              <a:t>_</a:t>
+            </a:r>
+            <a:r>
+              <a:rPr lang="zh-CN" altLang="en-US" sz="3600" dirty="0"/>
+              <a:t>调用链框架</a:t>
+            </a:r>
+          </a:p>
+        </p:txBody>
+      </p:sp>
+      <p:pic>
+        <p:nvPicPr>
+          <p:cNvPr id="5" name="图片 4"/>
+          <p:cNvPicPr>
+            <a:picLocks noChangeAspect="1"/>
+          </p:cNvPicPr>
           <p:nvPr/>
-        </p:nvSpPr>
+        </p:nvPicPr>
+        <p:blipFill>
+          <a:blip r:embed="rId2"/>
+          <a:stretch>
+            <a:fillRect/>
+          </a:stretch>
+        </p:blipFill>
         <p:spPr>
           <a:xfrm>
-            <a:off x="800100" y="1443038"/>
-            <a:ext cx="9336881" cy="4972050"/>
+            <a:off x="671513" y="1221582"/>
+            <a:ext cx="9236868" cy="5172075"/>
           </a:xfrm>
           <a:prstGeom prst="rect">
             <a:avLst/>
           </a:prstGeom>
         </p:spPr>
-        <p:style>
-          <a:lnRef idx="2">
-            <a:schemeClr val="accent1"/>
-          </a:lnRef>
-          <a:fillRef idx="1">
-            <a:schemeClr val="lt1"/>
-          </a:fillRef>
-          <a:effectRef idx="0">
-            <a:schemeClr val="accent1"/>
-          </a:effectRef>
-          <a:fontRef idx="minor">
-            <a:schemeClr val="dk1"/>
-          </a:fontRef>
-        </p:style>
-        <p:txBody>
-          <a:bodyPr rtlCol="0" anchor="t"/>
-          <a:lstStyle/>
-          <a:p>
-            <a:pPr marL="285750" indent="-285750">
-              <a:lnSpc>
-                <a:spcPct val="150000"/>
-              </a:lnSpc>
-              <a:buFont typeface="Wingdings" panose="05000000000000000000" pitchFamily="2" charset="2"/>
-              <a:buChar char="u"/>
-            </a:pPr>
-            <a:r>
-              <a:rPr lang="zh-CN" altLang="en-US" b="1" dirty="0"/>
-              <a:t>微服务问题</a:t>
-            </a:r>
-            <a:r>
-              <a:rPr lang="zh-CN" altLang="en-US" dirty="0"/>
-              <a:t>：</a:t>
-            </a:r>
-            <a:endParaRPr lang="en-US" altLang="zh-CN" dirty="0"/>
-          </a:p>
-          <a:p>
-            <a:pPr marL="742950" lvl="1" indent="-285750">
-              <a:buFont typeface="Arial" panose="020B0604020202020204" pitchFamily="34" charset="0"/>
-              <a:buChar char="•"/>
-            </a:pPr>
-            <a:r>
-              <a:rPr lang="zh-CN" altLang="en-US" b="1" dirty="0"/>
-              <a:t>技术门槛高：</a:t>
-            </a:r>
-            <a:endParaRPr lang="en-US" altLang="zh-CN" b="1" dirty="0"/>
-          </a:p>
-          <a:p>
-            <a:pPr marL="1200150" lvl="2" indent="-285750">
-              <a:buFont typeface="Arial" panose="020B0604020202020204" pitchFamily="34" charset="0"/>
-              <a:buChar char="•"/>
-            </a:pPr>
-            <a:r>
-              <a:rPr lang="zh-CN" altLang="en-US" dirty="0"/>
-              <a:t>除了基础的服务发现、配置中心和授权管理之外，团队将不可避免的在服务治理层面面临各类新的挑战</a:t>
-            </a:r>
-            <a:endParaRPr lang="en-US" altLang="zh-CN" dirty="0"/>
-          </a:p>
-          <a:p>
-            <a:pPr marL="1200150" lvl="2" indent="-285750">
-              <a:buFont typeface="Arial" panose="020B0604020202020204" pitchFamily="34" charset="0"/>
-              <a:buChar char="•"/>
-            </a:pPr>
-            <a:r>
-              <a:rPr lang="zh-CN" altLang="en-US" dirty="0"/>
-              <a:t>包括但不限于分布式跟踪、熔断降级、灰度发布、故障切换等，这对团队提出了非常高的技术要求。</a:t>
-            </a:r>
-            <a:endParaRPr lang="en-US" altLang="zh-CN" dirty="0"/>
-          </a:p>
-          <a:p>
-            <a:pPr marL="742950" lvl="1" indent="-285750">
-              <a:buFont typeface="Arial" panose="020B0604020202020204" pitchFamily="34" charset="0"/>
-              <a:buChar char="•"/>
-            </a:pPr>
-            <a:r>
-              <a:rPr lang="zh-CN" altLang="en-US" b="1" dirty="0"/>
-              <a:t>多语言支持不足：</a:t>
-            </a:r>
-            <a:endParaRPr lang="en-US" altLang="zh-CN" dirty="0"/>
-          </a:p>
-          <a:p>
-            <a:pPr marL="1200150" lvl="2" indent="-285750">
-              <a:buFont typeface="Arial" panose="020B0604020202020204" pitchFamily="34" charset="0"/>
-              <a:buChar char="•"/>
-            </a:pPr>
-            <a:r>
-              <a:rPr lang="zh-CN" altLang="en-US" dirty="0"/>
-              <a:t>多语言的技术栈是常态，跨语言的服务调用也是常态</a:t>
-            </a:r>
-            <a:endParaRPr lang="en-US" altLang="zh-CN" dirty="0"/>
-          </a:p>
-          <a:p>
-            <a:pPr marL="1200150" lvl="2" indent="-285750">
-              <a:buFont typeface="Arial" panose="020B0604020202020204" pitchFamily="34" charset="0"/>
-              <a:buChar char="•"/>
-            </a:pPr>
-            <a:r>
-              <a:rPr lang="zh-CN" altLang="en-US" dirty="0"/>
-              <a:t>但目前开源社区上并没有一套统一的、跨语言的微服务技术栈。</a:t>
-            </a:r>
-            <a:endParaRPr lang="en-US" altLang="zh-CN" dirty="0"/>
-          </a:p>
-          <a:p>
-            <a:pPr marL="742950" lvl="1" indent="-285750">
-              <a:buFont typeface="Arial" panose="020B0604020202020204" pitchFamily="34" charset="0"/>
-              <a:buChar char="•"/>
-            </a:pPr>
-            <a:r>
-              <a:rPr lang="zh-CN" altLang="en-US" b="1" dirty="0"/>
-              <a:t>代码侵入性强</a:t>
-            </a:r>
-            <a:r>
-              <a:rPr lang="zh-CN" altLang="en-US" dirty="0"/>
-              <a:t>：</a:t>
-            </a:r>
-            <a:endParaRPr lang="en-US" altLang="zh-CN" dirty="0"/>
-          </a:p>
-          <a:p>
-            <a:pPr marL="1200150" lvl="2" indent="-285750">
-              <a:buFont typeface="Arial" panose="020B0604020202020204" pitchFamily="34" charset="0"/>
-              <a:buChar char="•"/>
-            </a:pPr>
-            <a:r>
-              <a:rPr lang="zh-CN" altLang="en-US" dirty="0"/>
-              <a:t>主流的微服务框架或多或少都对业务代码有一定的侵入性，</a:t>
-            </a:r>
-            <a:endParaRPr lang="en-US" altLang="zh-CN" dirty="0"/>
-          </a:p>
-          <a:p>
-            <a:pPr marL="1200150" lvl="2" indent="-285750">
-              <a:buFont typeface="Arial" panose="020B0604020202020204" pitchFamily="34" charset="0"/>
-              <a:buChar char="•"/>
-            </a:pPr>
-            <a:r>
-              <a:rPr lang="zh-CN" altLang="en-US" dirty="0"/>
-              <a:t>框架替换成本高，导致业务团队配合意愿低，微服务落地困难。</a:t>
-            </a:r>
-            <a:endParaRPr lang="en-US" altLang="zh-CN" dirty="0"/>
-          </a:p>
-          <a:p>
-            <a:pPr marL="285750" indent="-285750">
-              <a:buFont typeface="Wingdings" panose="05000000000000000000" pitchFamily="2" charset="2"/>
-              <a:buChar char="u"/>
-            </a:pPr>
-            <a:r>
-              <a:rPr lang="zh-CN" altLang="en-US" b="1" dirty="0"/>
-              <a:t>方案</a:t>
-            </a:r>
-            <a:r>
-              <a:rPr lang="en-US" altLang="zh-CN" b="1" dirty="0"/>
-              <a:t>-</a:t>
-            </a:r>
-            <a:r>
-              <a:rPr lang="zh-CN" altLang="en-US" b="1" dirty="0"/>
-              <a:t>服务网格：</a:t>
-            </a:r>
-            <a:endParaRPr lang="en-US" altLang="zh-CN" b="1" dirty="0"/>
-          </a:p>
-          <a:p>
-            <a:pPr marL="742950" lvl="1" indent="-285750">
-              <a:buFont typeface="Arial" panose="020B0604020202020204" pitchFamily="34" charset="0"/>
-              <a:buChar char="•"/>
-            </a:pPr>
-            <a:r>
-              <a:rPr lang="en-US" altLang="zh-CN" dirty="0"/>
-              <a:t>A service mesh is a dedicated infrastructure layer for handling service-to-service communication. Consists of a control plane and data plane (service proxies act as “mesh”). - William Morgan, What’s a Service Mesh? And Why Do I Need One?[2]</a:t>
-            </a:r>
-            <a:endParaRPr lang="zh-CN" altLang="en-US" b="1" dirty="0"/>
-          </a:p>
-        </p:txBody>
-      </p:sp>
+      </p:pic>
     </p:spTree>
     <p:extLst>
       <p:ext uri="{BB962C8B-B14F-4D97-AF65-F5344CB8AC3E}">
-        <p14:creationId xmlns:p14="http://schemas.microsoft.com/office/powerpoint/2010/main" val="2563842972"/>
+        <p14:creationId xmlns:p14="http://schemas.microsoft.com/office/powerpoint/2010/main" val="4148971955"/>
       </p:ext>
     </p:extLst>
   </p:cSld>
   <p:clrMapOvr>
     <a:masterClrMapping/>
   </p:clrMapOvr>
+  <mc:AlternateContent xmlns:mc="http://schemas.openxmlformats.org/markup-compatibility/2006" xmlns:p14="http://schemas.microsoft.com/office/powerpoint/2010/main">
+    <mc:Choice Requires="p14">
+      <p:transition spd="slow" p14:dur="2000" advTm="21267"/>
+    </mc:Choice>
+    <mc:Fallback xmlns="">
+      <p:transition spd="slow" advTm="21267"/>
+    </mc:Fallback>
+  </mc:AlternateContent>
 </p:sld>
 </file>
 
@@ -5730,6 +6028,14 @@
   <p:clrMapOvr>
     <a:masterClrMapping/>
   </p:clrMapOvr>
+  <mc:AlternateContent xmlns:mc="http://schemas.openxmlformats.org/markup-compatibility/2006" xmlns:p14="http://schemas.microsoft.com/office/powerpoint/2010/main">
+    <mc:Choice Requires="p14">
+      <p:transition spd="slow" p14:dur="2000" advTm="9812"/>
+    </mc:Choice>
+    <mc:Fallback xmlns="">
+      <p:transition spd="slow" advTm="9812"/>
+    </mc:Fallback>
+  </mc:AlternateContent>
 </p:sld>
 </file>
 
@@ -5772,90 +6078,203 @@
           <a:p>
             <a:r>
               <a:rPr lang="zh-CN" altLang="en-US" dirty="0"/>
-              <a:t>服务网格</a:t>
+              <a:t>服务网格（</a:t>
             </a:r>
             <a:r>
               <a:rPr lang="en-US" altLang="zh-CN" dirty="0"/>
-              <a:t>_</a:t>
-            </a:r>
-            <a:r>
-              <a:rPr lang="zh-CN" altLang="en-US" sz="3600" dirty="0"/>
-              <a:t>演化史</a:t>
-            </a:r>
-          </a:p>
-        </p:txBody>
-      </p:sp>
-      <p:pic>
-        <p:nvPicPr>
-          <p:cNvPr id="3" name="图片 2"/>
-          <p:cNvPicPr>
-            <a:picLocks noChangeAspect="1"/>
-          </p:cNvPicPr>
+              <a:t>service mesh</a:t>
+            </a:r>
+            <a:r>
+              <a:rPr lang="zh-CN" altLang="en-US" dirty="0"/>
+              <a:t>）</a:t>
+            </a:r>
+          </a:p>
+        </p:txBody>
+      </p:sp>
+      <p:sp>
+        <p:nvSpPr>
+          <p:cNvPr id="5" name="矩形 4"/>
+          <p:cNvSpPr/>
           <p:nvPr/>
-        </p:nvPicPr>
-        <p:blipFill>
-          <a:blip r:embed="rId2"/>
-          <a:stretch>
-            <a:fillRect/>
-          </a:stretch>
-        </p:blipFill>
+        </p:nvSpPr>
         <p:spPr>
           <a:xfrm>
-            <a:off x="571500" y="1788319"/>
-            <a:ext cx="4393406" cy="4019550"/>
+            <a:off x="800100" y="1443038"/>
+            <a:ext cx="9336881" cy="4972050"/>
           </a:xfrm>
           <a:prstGeom prst="rect">
             <a:avLst/>
           </a:prstGeom>
-          <a:ln>
-            <a:solidFill>
-              <a:schemeClr val="accent1"/>
-            </a:solidFill>
-          </a:ln>
-        </p:spPr>
-      </p:pic>
-      <p:pic>
-        <p:nvPicPr>
-          <p:cNvPr id="4" name="图片 3"/>
-          <p:cNvPicPr>
-            <a:picLocks noChangeAspect="1"/>
-          </p:cNvPicPr>
-          <p:nvPr/>
-        </p:nvPicPr>
-        <p:blipFill>
-          <a:blip r:embed="rId3"/>
-          <a:stretch>
-            <a:fillRect/>
-          </a:stretch>
-        </p:blipFill>
-        <p:spPr>
-          <a:xfrm>
-            <a:off x="5295900" y="1835943"/>
-            <a:ext cx="5484020" cy="3971926"/>
-          </a:xfrm>
-          <a:prstGeom prst="rect">
-            <a:avLst/>
-          </a:prstGeom>
-          <a:solidFill>
+        </p:spPr>
+        <p:style>
+          <a:lnRef idx="2">
             <a:schemeClr val="accent1"/>
-          </a:solidFill>
-          <a:ln>
-            <a:solidFill>
-              <a:schemeClr val="accent1"/>
-            </a:solidFill>
-          </a:ln>
-        </p:spPr>
-      </p:pic>
+          </a:lnRef>
+          <a:fillRef idx="1">
+            <a:schemeClr val="lt1"/>
+          </a:fillRef>
+          <a:effectRef idx="0">
+            <a:schemeClr val="accent1"/>
+          </a:effectRef>
+          <a:fontRef idx="minor">
+            <a:schemeClr val="dk1"/>
+          </a:fontRef>
+        </p:style>
+        <p:txBody>
+          <a:bodyPr rtlCol="0" anchor="t"/>
+          <a:lstStyle/>
+          <a:p>
+            <a:pPr marL="285750" indent="-285750">
+              <a:lnSpc>
+                <a:spcPct val="150000"/>
+              </a:lnSpc>
+              <a:buFont typeface="Wingdings" panose="05000000000000000000" pitchFamily="2" charset="2"/>
+              <a:buChar char="u"/>
+            </a:pPr>
+            <a:r>
+              <a:rPr lang="zh-CN" altLang="en-US" b="1" dirty="0"/>
+              <a:t>微服务问题</a:t>
+            </a:r>
+            <a:r>
+              <a:rPr lang="zh-CN" altLang="en-US" dirty="0"/>
+              <a:t>：</a:t>
+            </a:r>
+            <a:endParaRPr lang="en-US" altLang="zh-CN" dirty="0"/>
+          </a:p>
+          <a:p>
+            <a:pPr marL="742950" lvl="1" indent="-285750">
+              <a:buFont typeface="Arial" panose="020B0604020202020204" pitchFamily="34" charset="0"/>
+              <a:buChar char="•"/>
+            </a:pPr>
+            <a:r>
+              <a:rPr lang="zh-CN" altLang="en-US" b="1" dirty="0"/>
+              <a:t>技术门槛高：</a:t>
+            </a:r>
+            <a:endParaRPr lang="en-US" altLang="zh-CN" b="1" dirty="0"/>
+          </a:p>
+          <a:p>
+            <a:pPr marL="1200150" lvl="2" indent="-285750">
+              <a:buFont typeface="Arial" panose="020B0604020202020204" pitchFamily="34" charset="0"/>
+              <a:buChar char="•"/>
+            </a:pPr>
+            <a:r>
+              <a:rPr lang="zh-CN" altLang="en-US" dirty="0"/>
+              <a:t>除了基础的服务发现、配置中心和授权管理之外，团队将不可避免的在服务治理层面面临各类新的挑战</a:t>
+            </a:r>
+            <a:endParaRPr lang="en-US" altLang="zh-CN" dirty="0"/>
+          </a:p>
+          <a:p>
+            <a:pPr marL="1200150" lvl="2" indent="-285750">
+              <a:buFont typeface="Arial" panose="020B0604020202020204" pitchFamily="34" charset="0"/>
+              <a:buChar char="•"/>
+            </a:pPr>
+            <a:r>
+              <a:rPr lang="zh-CN" altLang="en-US" dirty="0"/>
+              <a:t>包括但不限于分布式跟踪、熔断降级、灰度发布、故障切换等，这对团队提出了非常高的技术要求。</a:t>
+            </a:r>
+            <a:endParaRPr lang="en-US" altLang="zh-CN" dirty="0"/>
+          </a:p>
+          <a:p>
+            <a:pPr marL="742950" lvl="1" indent="-285750">
+              <a:buFont typeface="Arial" panose="020B0604020202020204" pitchFamily="34" charset="0"/>
+              <a:buChar char="•"/>
+            </a:pPr>
+            <a:r>
+              <a:rPr lang="zh-CN" altLang="en-US" b="1" dirty="0"/>
+              <a:t>多语言支持不足：</a:t>
+            </a:r>
+            <a:endParaRPr lang="en-US" altLang="zh-CN" dirty="0"/>
+          </a:p>
+          <a:p>
+            <a:pPr marL="1200150" lvl="2" indent="-285750">
+              <a:buFont typeface="Arial" panose="020B0604020202020204" pitchFamily="34" charset="0"/>
+              <a:buChar char="•"/>
+            </a:pPr>
+            <a:r>
+              <a:rPr lang="zh-CN" altLang="en-US" dirty="0"/>
+              <a:t>多语言的技术栈是常态，跨语言的服务调用也是常态</a:t>
+            </a:r>
+            <a:endParaRPr lang="en-US" altLang="zh-CN" dirty="0"/>
+          </a:p>
+          <a:p>
+            <a:pPr marL="1200150" lvl="2" indent="-285750">
+              <a:buFont typeface="Arial" panose="020B0604020202020204" pitchFamily="34" charset="0"/>
+              <a:buChar char="•"/>
+            </a:pPr>
+            <a:r>
+              <a:rPr lang="zh-CN" altLang="en-US" dirty="0"/>
+              <a:t>但目前开源社区上并没有一套统一的、跨语言的微服务技术栈。</a:t>
+            </a:r>
+            <a:endParaRPr lang="en-US" altLang="zh-CN" dirty="0"/>
+          </a:p>
+          <a:p>
+            <a:pPr marL="742950" lvl="1" indent="-285750">
+              <a:buFont typeface="Arial" panose="020B0604020202020204" pitchFamily="34" charset="0"/>
+              <a:buChar char="•"/>
+            </a:pPr>
+            <a:r>
+              <a:rPr lang="zh-CN" altLang="en-US" b="1" dirty="0"/>
+              <a:t>代码侵入性强</a:t>
+            </a:r>
+            <a:r>
+              <a:rPr lang="zh-CN" altLang="en-US" dirty="0"/>
+              <a:t>：</a:t>
+            </a:r>
+            <a:endParaRPr lang="en-US" altLang="zh-CN" dirty="0"/>
+          </a:p>
+          <a:p>
+            <a:pPr marL="1200150" lvl="2" indent="-285750">
+              <a:buFont typeface="Arial" panose="020B0604020202020204" pitchFamily="34" charset="0"/>
+              <a:buChar char="•"/>
+            </a:pPr>
+            <a:r>
+              <a:rPr lang="zh-CN" altLang="en-US" dirty="0"/>
+              <a:t>主流的微服务框架或多或少都对业务代码有一定的侵入性，</a:t>
+            </a:r>
+            <a:endParaRPr lang="en-US" altLang="zh-CN" dirty="0"/>
+          </a:p>
+          <a:p>
+            <a:pPr marL="1200150" lvl="2" indent="-285750">
+              <a:buFont typeface="Arial" panose="020B0604020202020204" pitchFamily="34" charset="0"/>
+              <a:buChar char="•"/>
+            </a:pPr>
+            <a:r>
+              <a:rPr lang="zh-CN" altLang="en-US" dirty="0"/>
+              <a:t>框架替换成本高，导致业务团队配合意愿低，微服务落地困难</a:t>
+            </a:r>
+            <a:endParaRPr lang="en-US" altLang="zh-CN" dirty="0"/>
+          </a:p>
+          <a:p>
+            <a:pPr marL="742950" lvl="1" indent="-285750">
+              <a:buFont typeface="Arial" panose="020B0604020202020204" pitchFamily="34" charset="0"/>
+              <a:buChar char="•"/>
+            </a:pPr>
+            <a:r>
+              <a:rPr lang="zh-CN" altLang="en-US" b="1" dirty="0"/>
+              <a:t>胖客户端</a:t>
+            </a:r>
+            <a:endParaRPr lang="en-US" altLang="zh-CN" b="1" dirty="0"/>
+          </a:p>
+        </p:txBody>
+      </p:sp>
     </p:spTree>
     <p:extLst>
       <p:ext uri="{BB962C8B-B14F-4D97-AF65-F5344CB8AC3E}">
-        <p14:creationId xmlns:p14="http://schemas.microsoft.com/office/powerpoint/2010/main" val="2839949615"/>
+        <p14:creationId xmlns:p14="http://schemas.microsoft.com/office/powerpoint/2010/main" val="2826432226"/>
       </p:ext>
     </p:extLst>
   </p:cSld>
   <p:clrMapOvr>
     <a:masterClrMapping/>
   </p:clrMapOvr>
+  <mc:AlternateContent xmlns:mc="http://schemas.openxmlformats.org/markup-compatibility/2006" xmlns:p14="http://schemas.microsoft.com/office/powerpoint/2010/main">
+    <mc:Choice Requires="p14">
+      <p:transition spd="slow" p14:dur="2000" advTm="185221"/>
+    </mc:Choice>
+    <mc:Fallback xmlns="">
+      <p:transition spd="slow" advTm="185221"/>
+    </mc:Fallback>
+  </mc:AlternateContent>
 </p:sld>
 </file>
 
@@ -5893,27 +6312,98 @@
           </a:xfrm>
         </p:spPr>
         <p:txBody>
-          <a:bodyPr/>
-          <a:lstStyle/>
-          <a:p>
-            <a:r>
-              <a:rPr lang="zh-CN" altLang="en-US" dirty="0"/>
-              <a:t>服务网格</a:t>
+          <a:bodyPr>
+            <a:normAutofit/>
+          </a:bodyPr>
+          <a:lstStyle/>
+          <a:p>
+            <a:r>
+              <a:rPr lang="zh-CN" altLang="en-US" dirty="0"/>
+              <a:t>服务网格（</a:t>
             </a:r>
             <a:r>
               <a:rPr lang="en-US" altLang="zh-CN" dirty="0"/>
-              <a:t>_</a:t>
-            </a:r>
-            <a:r>
-              <a:rPr lang="zh-CN" altLang="en-US" sz="3600" dirty="0"/>
-              <a:t>架构</a:t>
+              <a:t>service mesh/Sidecar</a:t>
+            </a:r>
+            <a:r>
+              <a:rPr lang="zh-CN" altLang="en-US" dirty="0"/>
+              <a:t>模式）</a:t>
+            </a:r>
+          </a:p>
+        </p:txBody>
+      </p:sp>
+      <p:sp>
+        <p:nvSpPr>
+          <p:cNvPr id="5" name="矩形 4"/>
+          <p:cNvSpPr/>
+          <p:nvPr/>
+        </p:nvSpPr>
+        <p:spPr>
+          <a:xfrm>
+            <a:off x="371476" y="1443039"/>
+            <a:ext cx="9586912" cy="1243012"/>
+          </a:xfrm>
+          <a:prstGeom prst="rect">
+            <a:avLst/>
+          </a:prstGeom>
+        </p:spPr>
+        <p:style>
+          <a:lnRef idx="2">
+            <a:schemeClr val="accent1"/>
+          </a:lnRef>
+          <a:fillRef idx="1">
+            <a:schemeClr val="lt1"/>
+          </a:fillRef>
+          <a:effectRef idx="0">
+            <a:schemeClr val="accent1"/>
+          </a:effectRef>
+          <a:fontRef idx="minor">
+            <a:schemeClr val="dk1"/>
+          </a:fontRef>
+        </p:style>
+        <p:txBody>
+          <a:bodyPr rtlCol="0" anchor="t"/>
+          <a:lstStyle/>
+          <a:p>
+            <a:pPr marL="285750" indent="-285750">
+              <a:buFont typeface="Wingdings" panose="05000000000000000000" pitchFamily="2" charset="2"/>
+              <a:buChar char="u"/>
+            </a:pPr>
+            <a:r>
+              <a:rPr lang="zh-CN" altLang="en-US" b="1" dirty="0"/>
+              <a:t>方案</a:t>
+            </a:r>
+            <a:r>
+              <a:rPr lang="en-US" altLang="zh-CN" b="1" dirty="0"/>
+              <a:t>-</a:t>
+            </a:r>
+            <a:r>
+              <a:rPr lang="zh-CN" altLang="en-US" b="1" dirty="0"/>
+              <a:t>服务网格：</a:t>
+            </a:r>
+            <a:endParaRPr lang="en-US" altLang="zh-CN" b="1" dirty="0"/>
+          </a:p>
+          <a:p>
+            <a:pPr marL="742950" lvl="1" indent="-285750">
+              <a:buFont typeface="Arial" panose="020B0604020202020204" pitchFamily="34" charset="0"/>
+              <a:buChar char="•"/>
+            </a:pPr>
+            <a:r>
+              <a:rPr lang="en-US" altLang="zh-CN" dirty="0"/>
+              <a:t>A service mesh is a dedicated infrastructure layer for handling service-to-service communication. Consists of a control plane and data plane (service proxies act as “mesh”). - William Morgan, What’s a Service Mesh? And Why Do I Need One?[2]</a:t>
             </a:r>
           </a:p>
         </p:txBody>
       </p:sp>
       <p:pic>
         <p:nvPicPr>
-          <p:cNvPr id="5" name="图片 4"/>
+          <p:cNvPr id="3" name="图片 2">
+            <a:extLst>
+              <a:ext uri="{FF2B5EF4-FFF2-40B4-BE49-F238E27FC236}">
+                <a16:creationId xmlns:a16="http://schemas.microsoft.com/office/drawing/2014/main" id="{019C531F-4B87-4CD5-AE19-1EF5305EABC1}"/>
+              </a:ext>
+            </a:extLst>
+          </p:cNvPr>
           <p:cNvPicPr>
             <a:picLocks noChangeAspect="1"/>
           </p:cNvPicPr>
@@ -5927,24 +6417,92 @@
         </p:blipFill>
         <p:spPr>
           <a:xfrm>
-            <a:off x="690563" y="1276350"/>
-            <a:ext cx="8953500" cy="4410075"/>
+            <a:off x="5060156" y="2811161"/>
+            <a:ext cx="4998245" cy="3045920"/>
           </a:xfrm>
           <a:prstGeom prst="rect">
             <a:avLst/>
           </a:prstGeom>
         </p:spPr>
       </p:pic>
+      <p:sp>
+        <p:nvSpPr>
+          <p:cNvPr id="6" name="文本框 5">
+            <a:extLst>
+              <a:ext uri="{FF2B5EF4-FFF2-40B4-BE49-F238E27FC236}">
+                <a16:creationId xmlns:a16="http://schemas.microsoft.com/office/drawing/2014/main" id="{D2AE1E74-8F46-49CF-A9EF-DF3BED8042D4}"/>
+              </a:ext>
+            </a:extLst>
+          </p:cNvPr>
+          <p:cNvSpPr txBox="1"/>
+          <p:nvPr/>
+        </p:nvSpPr>
+        <p:spPr>
+          <a:xfrm>
+            <a:off x="371476" y="2690336"/>
+            <a:ext cx="4514849" cy="1754326"/>
+          </a:xfrm>
+          <a:prstGeom prst="rect">
+            <a:avLst/>
+          </a:prstGeom>
+          <a:noFill/>
+        </p:spPr>
+        <p:txBody>
+          <a:bodyPr wrap="square">
+            <a:spAutoFit/>
+          </a:bodyPr>
+          <a:lstStyle/>
+          <a:p>
+            <a:pPr marL="285750" lvl="1" indent="-285750">
+              <a:buFont typeface="Wingdings" panose="05000000000000000000" pitchFamily="2" charset="2"/>
+              <a:buChar char="u"/>
+            </a:pPr>
+            <a:r>
+              <a:rPr lang="en-US" altLang="zh-CN" b="1" dirty="0"/>
+              <a:t>Sidecar</a:t>
+            </a:r>
+            <a:r>
+              <a:rPr lang="zh-CN" altLang="en-US" b="1" dirty="0"/>
+              <a:t>模式</a:t>
+            </a:r>
+          </a:p>
+          <a:p>
+            <a:pPr marL="742950" lvl="1" indent="-285750">
+              <a:buFont typeface="Arial" panose="020B0604020202020204" pitchFamily="34" charset="0"/>
+              <a:buChar char="•"/>
+            </a:pPr>
+            <a:r>
+              <a:rPr lang="zh-CN" altLang="en-US" b="0" i="0" dirty="0">
+                <a:solidFill>
+                  <a:srgbClr val="404040"/>
+                </a:solidFill>
+                <a:effectLst/>
+                <a:latin typeface="-apple-system"/>
+              </a:rPr>
+              <a:t>一种将应用功能从应用本身剥离出来作为单独进程的方式。该模式允许我们向应用无侵入添加多种功能，避免了为满足第三方组件需求而向应用添加额外的配置代码。</a:t>
+            </a:r>
+            <a:endParaRPr lang="en-US" altLang="zh-CN" b="1" dirty="0"/>
+          </a:p>
+        </p:txBody>
+      </p:sp>
     </p:spTree>
     <p:extLst>
       <p:ext uri="{BB962C8B-B14F-4D97-AF65-F5344CB8AC3E}">
-        <p14:creationId xmlns:p14="http://schemas.microsoft.com/office/powerpoint/2010/main" val="200737424"/>
+        <p14:creationId xmlns:p14="http://schemas.microsoft.com/office/powerpoint/2010/main" val="2563842972"/>
       </p:ext>
     </p:extLst>
   </p:cSld>
   <p:clrMapOvr>
     <a:masterClrMapping/>
   </p:clrMapOvr>
+  <mc:AlternateContent xmlns:mc="http://schemas.openxmlformats.org/markup-compatibility/2006" xmlns:p14="http://schemas.microsoft.com/office/powerpoint/2010/main">
+    <mc:Choice Requires="p14">
+      <p:transition spd="slow" p14:dur="2000" advTm="185221"/>
+    </mc:Choice>
+    <mc:Fallback xmlns="">
+      <p:transition spd="slow" advTm="185221"/>
+    </mc:Fallback>
+  </mc:AlternateContent>
 </p:sld>
 </file>
 
@@ -5987,23 +6545,22 @@
           <a:p>
             <a:r>
               <a:rPr lang="zh-CN" altLang="en-US" dirty="0"/>
-              <a:t>高并发之数据处理</a:t>
+              <a:t>服务网格</a:t>
             </a:r>
             <a:r>
               <a:rPr lang="en-US" altLang="zh-CN" dirty="0"/>
-              <a:t>——lambda</a:t>
-            </a:r>
-            <a:r>
-              <a:rPr lang="zh-CN" altLang="en-US" dirty="0"/>
-              <a:t>架构</a:t>
-            </a:r>
-            <a:endParaRPr lang="zh-CN" altLang="en-US" sz="3600" dirty="0"/>
+              <a:t>_</a:t>
+            </a:r>
+            <a:r>
+              <a:rPr lang="zh-CN" altLang="en-US" sz="3600" dirty="0"/>
+              <a:t>演化史</a:t>
+            </a:r>
           </a:p>
         </p:txBody>
       </p:sp>
       <p:pic>
         <p:nvPicPr>
-          <p:cNvPr id="4" name="图片 3"/>
+          <p:cNvPr id="3" name="图片 2"/>
           <p:cNvPicPr>
             <a:picLocks noChangeAspect="1"/>
           </p:cNvPicPr>
@@ -6017,24 +6574,69 @@
         </p:blipFill>
         <p:spPr>
           <a:xfrm>
-            <a:off x="914400" y="1831181"/>
-            <a:ext cx="8020050" cy="4610100"/>
+            <a:off x="571500" y="1788319"/>
+            <a:ext cx="4393406" cy="4019550"/>
           </a:xfrm>
           <a:prstGeom prst="rect">
             <a:avLst/>
           </a:prstGeom>
+          <a:ln>
+            <a:solidFill>
+              <a:schemeClr val="accent1"/>
+            </a:solidFill>
+          </a:ln>
+        </p:spPr>
+      </p:pic>
+      <p:pic>
+        <p:nvPicPr>
+          <p:cNvPr id="4" name="图片 3"/>
+          <p:cNvPicPr>
+            <a:picLocks noChangeAspect="1"/>
+          </p:cNvPicPr>
+          <p:nvPr/>
+        </p:nvPicPr>
+        <p:blipFill>
+          <a:blip r:embed="rId3"/>
+          <a:stretch>
+            <a:fillRect/>
+          </a:stretch>
+        </p:blipFill>
+        <p:spPr>
+          <a:xfrm>
+            <a:off x="5295900" y="1835943"/>
+            <a:ext cx="5484020" cy="3971926"/>
+          </a:xfrm>
+          <a:prstGeom prst="rect">
+            <a:avLst/>
+          </a:prstGeom>
+          <a:solidFill>
+            <a:schemeClr val="accent1"/>
+          </a:solidFill>
+          <a:ln>
+            <a:solidFill>
+              <a:schemeClr val="accent1"/>
+            </a:solidFill>
+          </a:ln>
         </p:spPr>
       </p:pic>
     </p:spTree>
     <p:extLst>
       <p:ext uri="{BB962C8B-B14F-4D97-AF65-F5344CB8AC3E}">
-        <p14:creationId xmlns:p14="http://schemas.microsoft.com/office/powerpoint/2010/main" val="2920312850"/>
+        <p14:creationId xmlns:p14="http://schemas.microsoft.com/office/powerpoint/2010/main" val="2839949615"/>
       </p:ext>
     </p:extLst>
   </p:cSld>
   <p:clrMapOvr>
     <a:masterClrMapping/>
   </p:clrMapOvr>
+  <mc:AlternateContent xmlns:mc="http://schemas.openxmlformats.org/markup-compatibility/2006" xmlns:p14="http://schemas.microsoft.com/office/powerpoint/2010/main">
+    <mc:Choice Requires="p14">
+      <p:transition spd="slow" p14:dur="2000" advTm="61091"/>
+    </mc:Choice>
+    <mc:Fallback xmlns="">
+      <p:transition spd="slow" advTm="61091"/>
+    </mc:Fallback>
+  </mc:AlternateContent>
 </p:sld>
 </file>
 
@@ -6077,23 +6679,22 @@
           <a:p>
             <a:r>
               <a:rPr lang="zh-CN" altLang="en-US" dirty="0"/>
-              <a:t>高并发之数据处理</a:t>
+              <a:t>服务网格</a:t>
             </a:r>
             <a:r>
               <a:rPr lang="en-US" altLang="zh-CN" dirty="0"/>
-              <a:t>&amp;</a:t>
-            </a:r>
-            <a:r>
-              <a:rPr lang="zh-CN" altLang="en-US" dirty="0"/>
-              <a:t>应用</a:t>
-            </a:r>
-            <a:endParaRPr lang="zh-CN" altLang="en-US" sz="3600" dirty="0"/>
+              <a:t>_</a:t>
+            </a:r>
+            <a:r>
+              <a:rPr lang="zh-CN" altLang="en-US" sz="3600" dirty="0"/>
+              <a:t>架构</a:t>
+            </a:r>
           </a:p>
         </p:txBody>
       </p:sp>
       <p:pic>
         <p:nvPicPr>
-          <p:cNvPr id="3" name="图片 2"/>
+          <p:cNvPr id="5" name="图片 4"/>
           <p:cNvPicPr>
             <a:picLocks noChangeAspect="1"/>
           </p:cNvPicPr>
@@ -6107,8 +6708,8 @@
         </p:blipFill>
         <p:spPr>
           <a:xfrm>
-            <a:off x="635793" y="1247776"/>
-            <a:ext cx="8829675" cy="5660231"/>
+            <a:off x="690563" y="1276350"/>
+            <a:ext cx="8953500" cy="4410075"/>
           </a:xfrm>
           <a:prstGeom prst="rect">
             <a:avLst/>
@@ -6118,13 +6719,21 @@
     </p:spTree>
     <p:extLst>
       <p:ext uri="{BB962C8B-B14F-4D97-AF65-F5344CB8AC3E}">
-        <p14:creationId xmlns:p14="http://schemas.microsoft.com/office/powerpoint/2010/main" val="2748974610"/>
+        <p14:creationId xmlns:p14="http://schemas.microsoft.com/office/powerpoint/2010/main" val="200737424"/>
       </p:ext>
     </p:extLst>
   </p:cSld>
   <p:clrMapOvr>
     <a:masterClrMapping/>
   </p:clrMapOvr>
+  <mc:AlternateContent xmlns:mc="http://schemas.openxmlformats.org/markup-compatibility/2006" xmlns:p14="http://schemas.microsoft.com/office/powerpoint/2010/main">
+    <mc:Choice Requires="p14">
+      <p:transition spd="slow" p14:dur="2000" advTm="37402"/>
+    </mc:Choice>
+    <mc:Fallback xmlns="">
+      <p:transition spd="slow" advTm="37402"/>
+    </mc:Fallback>
+  </mc:AlternateContent>
 </p:sld>
 </file>
 
@@ -6158,6 +6767,684 @@
         <p:spPr>
           <a:xfrm>
             <a:off x="507206" y="365125"/>
+            <a:ext cx="10846594" cy="670719"/>
+          </a:xfrm>
+        </p:spPr>
+        <p:txBody>
+          <a:bodyPr/>
+          <a:lstStyle/>
+          <a:p>
+            <a:r>
+              <a:rPr lang="zh-CN" altLang="en-US" sz="3600" b="1" dirty="0"/>
+              <a:t>技术的循环</a:t>
+            </a:r>
+          </a:p>
+        </p:txBody>
+      </p:sp>
+      <p:sp>
+        <p:nvSpPr>
+          <p:cNvPr id="7" name="文本框 6">
+            <a:extLst>
+              <a:ext uri="{FF2B5EF4-FFF2-40B4-BE49-F238E27FC236}">
+                <a16:creationId xmlns:a16="http://schemas.microsoft.com/office/drawing/2014/main" id="{02B14D5E-B66C-422D-917F-4B383D7870CF}"/>
+              </a:ext>
+            </a:extLst>
+          </p:cNvPr>
+          <p:cNvSpPr txBox="1"/>
+          <p:nvPr/>
+        </p:nvSpPr>
+        <p:spPr>
+          <a:xfrm>
+            <a:off x="1934169" y="1358384"/>
+            <a:ext cx="1980606" cy="370404"/>
+          </a:xfrm>
+          <a:prstGeom prst="rect">
+            <a:avLst/>
+          </a:prstGeom>
+        </p:spPr>
+        <p:style>
+          <a:lnRef idx="2">
+            <a:schemeClr val="accent1">
+              <a:shade val="50000"/>
+            </a:schemeClr>
+          </a:lnRef>
+          <a:fillRef idx="1">
+            <a:schemeClr val="accent1"/>
+          </a:fillRef>
+          <a:effectRef idx="0">
+            <a:schemeClr val="accent1"/>
+          </a:effectRef>
+          <a:fontRef idx="minor">
+            <a:schemeClr val="lt1"/>
+          </a:fontRef>
+        </p:style>
+        <p:txBody>
+          <a:bodyPr wrap="square">
+            <a:spAutoFit/>
+          </a:bodyPr>
+          <a:lstStyle/>
+          <a:p>
+            <a:r>
+              <a:rPr lang="zh-CN" altLang="en-US" sz="1800" dirty="0"/>
+              <a:t>业务场景</a:t>
+            </a:r>
+            <a:endParaRPr lang="en-US" altLang="zh-CN" sz="1800" dirty="0"/>
+          </a:p>
+        </p:txBody>
+      </p:sp>
+      <p:sp>
+        <p:nvSpPr>
+          <p:cNvPr id="9" name="文本框 8">
+            <a:extLst>
+              <a:ext uri="{FF2B5EF4-FFF2-40B4-BE49-F238E27FC236}">
+                <a16:creationId xmlns:a16="http://schemas.microsoft.com/office/drawing/2014/main" id="{2DAD979F-BF7C-4775-B6D7-6C348458F8F7}"/>
+              </a:ext>
+            </a:extLst>
+          </p:cNvPr>
+          <p:cNvSpPr txBox="1"/>
+          <p:nvPr/>
+        </p:nvSpPr>
+        <p:spPr>
+          <a:xfrm>
+            <a:off x="1934169" y="2186801"/>
+            <a:ext cx="1980606" cy="369332"/>
+          </a:xfrm>
+          <a:prstGeom prst="rect">
+            <a:avLst/>
+          </a:prstGeom>
+        </p:spPr>
+        <p:style>
+          <a:lnRef idx="2">
+            <a:schemeClr val="accent1">
+              <a:shade val="50000"/>
+            </a:schemeClr>
+          </a:lnRef>
+          <a:fillRef idx="1">
+            <a:schemeClr val="accent1"/>
+          </a:fillRef>
+          <a:effectRef idx="0">
+            <a:schemeClr val="accent1"/>
+          </a:effectRef>
+          <a:fontRef idx="minor">
+            <a:schemeClr val="lt1"/>
+          </a:fontRef>
+        </p:style>
+        <p:txBody>
+          <a:bodyPr wrap="square">
+            <a:spAutoFit/>
+          </a:bodyPr>
+          <a:lstStyle/>
+          <a:p>
+            <a:r>
+              <a:rPr lang="zh-CN" altLang="en-US" sz="1800" dirty="0"/>
+              <a:t>解决方案</a:t>
+            </a:r>
+            <a:endParaRPr lang="en-US" altLang="zh-CN" sz="1800" dirty="0"/>
+          </a:p>
+        </p:txBody>
+      </p:sp>
+      <p:sp>
+        <p:nvSpPr>
+          <p:cNvPr id="11" name="文本框 10">
+            <a:extLst>
+              <a:ext uri="{FF2B5EF4-FFF2-40B4-BE49-F238E27FC236}">
+                <a16:creationId xmlns:a16="http://schemas.microsoft.com/office/drawing/2014/main" id="{4FFB8DD1-C83A-4F7B-8A37-419952BAF27F}"/>
+              </a:ext>
+            </a:extLst>
+          </p:cNvPr>
+          <p:cNvSpPr txBox="1"/>
+          <p:nvPr/>
+        </p:nvSpPr>
+        <p:spPr>
+          <a:xfrm>
+            <a:off x="1934168" y="3014147"/>
+            <a:ext cx="2552107" cy="369332"/>
+          </a:xfrm>
+          <a:prstGeom prst="rect">
+            <a:avLst/>
+          </a:prstGeom>
+        </p:spPr>
+        <p:style>
+          <a:lnRef idx="2">
+            <a:schemeClr val="accent1">
+              <a:shade val="50000"/>
+            </a:schemeClr>
+          </a:lnRef>
+          <a:fillRef idx="1">
+            <a:schemeClr val="accent1"/>
+          </a:fillRef>
+          <a:effectRef idx="0">
+            <a:schemeClr val="accent1"/>
+          </a:effectRef>
+          <a:fontRef idx="minor">
+            <a:schemeClr val="lt1"/>
+          </a:fontRef>
+        </p:style>
+        <p:txBody>
+          <a:bodyPr wrap="square">
+            <a:spAutoFit/>
+          </a:bodyPr>
+          <a:lstStyle/>
+          <a:p>
+            <a:r>
+              <a:rPr lang="zh-CN" altLang="en-US" sz="1800" dirty="0"/>
+              <a:t>解决方案遇到的新问题</a:t>
+            </a:r>
+            <a:endParaRPr lang="en-US" altLang="zh-CN" sz="1800" dirty="0"/>
+          </a:p>
+        </p:txBody>
+      </p:sp>
+      <p:sp>
+        <p:nvSpPr>
+          <p:cNvPr id="13" name="文本框 12">
+            <a:extLst>
+              <a:ext uri="{FF2B5EF4-FFF2-40B4-BE49-F238E27FC236}">
+                <a16:creationId xmlns:a16="http://schemas.microsoft.com/office/drawing/2014/main" id="{D3EE09F1-E9DE-462D-94FF-7588A4078C3F}"/>
+              </a:ext>
+            </a:extLst>
+          </p:cNvPr>
+          <p:cNvSpPr txBox="1"/>
+          <p:nvPr/>
+        </p:nvSpPr>
+        <p:spPr>
+          <a:xfrm>
+            <a:off x="1934167" y="3809782"/>
+            <a:ext cx="2552107" cy="369332"/>
+          </a:xfrm>
+          <a:prstGeom prst="rect">
+            <a:avLst/>
+          </a:prstGeom>
+        </p:spPr>
+        <p:style>
+          <a:lnRef idx="2">
+            <a:schemeClr val="accent1">
+              <a:shade val="50000"/>
+            </a:schemeClr>
+          </a:lnRef>
+          <a:fillRef idx="1">
+            <a:schemeClr val="accent1"/>
+          </a:fillRef>
+          <a:effectRef idx="0">
+            <a:schemeClr val="accent1"/>
+          </a:effectRef>
+          <a:fontRef idx="minor">
+            <a:schemeClr val="lt1"/>
+          </a:fontRef>
+        </p:style>
+        <p:txBody>
+          <a:bodyPr wrap="square">
+            <a:spAutoFit/>
+          </a:bodyPr>
+          <a:lstStyle/>
+          <a:p>
+            <a:r>
+              <a:rPr lang="zh-CN" altLang="en-US" sz="1800" dirty="0"/>
+              <a:t>新的解决方案</a:t>
+            </a:r>
+            <a:endParaRPr lang="en-US" altLang="zh-CN" sz="1800" dirty="0"/>
+          </a:p>
+        </p:txBody>
+      </p:sp>
+      <p:sp>
+        <p:nvSpPr>
+          <p:cNvPr id="14" name="箭头: 下 13">
+            <a:extLst>
+              <a:ext uri="{FF2B5EF4-FFF2-40B4-BE49-F238E27FC236}">
+                <a16:creationId xmlns:a16="http://schemas.microsoft.com/office/drawing/2014/main" id="{35E40D96-A347-4C20-80C1-324EE5A6CC7B}"/>
+              </a:ext>
+            </a:extLst>
+          </p:cNvPr>
+          <p:cNvSpPr/>
+          <p:nvPr/>
+        </p:nvSpPr>
+        <p:spPr>
+          <a:xfrm>
+            <a:off x="2707481" y="1728788"/>
+            <a:ext cx="45719" cy="426303"/>
+          </a:xfrm>
+          <a:prstGeom prst="downArrow">
+            <a:avLst/>
+          </a:prstGeom>
+        </p:spPr>
+        <p:style>
+          <a:lnRef idx="2">
+            <a:schemeClr val="accent1">
+              <a:shade val="50000"/>
+            </a:schemeClr>
+          </a:lnRef>
+          <a:fillRef idx="1">
+            <a:schemeClr val="accent1"/>
+          </a:fillRef>
+          <a:effectRef idx="0">
+            <a:schemeClr val="accent1"/>
+          </a:effectRef>
+          <a:fontRef idx="minor">
+            <a:schemeClr val="lt1"/>
+          </a:fontRef>
+        </p:style>
+        <p:txBody>
+          <a:bodyPr rtlCol="0" anchor="ctr"/>
+          <a:lstStyle/>
+          <a:p>
+            <a:pPr algn="ctr"/>
+            <a:endParaRPr lang="zh-CN" altLang="en-US"/>
+          </a:p>
+        </p:txBody>
+      </p:sp>
+      <p:sp>
+        <p:nvSpPr>
+          <p:cNvPr id="15" name="箭头: 下 14">
+            <a:extLst>
+              <a:ext uri="{FF2B5EF4-FFF2-40B4-BE49-F238E27FC236}">
+                <a16:creationId xmlns:a16="http://schemas.microsoft.com/office/drawing/2014/main" id="{97288A09-3969-429D-BFBB-DB2DDFB677A6}"/>
+              </a:ext>
+            </a:extLst>
+          </p:cNvPr>
+          <p:cNvSpPr/>
+          <p:nvPr/>
+        </p:nvSpPr>
+        <p:spPr>
+          <a:xfrm>
+            <a:off x="2657475" y="2556133"/>
+            <a:ext cx="95725" cy="458013"/>
+          </a:xfrm>
+          <a:prstGeom prst="downArrow">
+            <a:avLst/>
+          </a:prstGeom>
+        </p:spPr>
+        <p:style>
+          <a:lnRef idx="2">
+            <a:schemeClr val="accent1">
+              <a:shade val="50000"/>
+            </a:schemeClr>
+          </a:lnRef>
+          <a:fillRef idx="1">
+            <a:schemeClr val="accent1"/>
+          </a:fillRef>
+          <a:effectRef idx="0">
+            <a:schemeClr val="accent1"/>
+          </a:effectRef>
+          <a:fontRef idx="minor">
+            <a:schemeClr val="lt1"/>
+          </a:fontRef>
+        </p:style>
+        <p:txBody>
+          <a:bodyPr rtlCol="0" anchor="ctr"/>
+          <a:lstStyle/>
+          <a:p>
+            <a:pPr algn="ctr"/>
+            <a:endParaRPr lang="zh-CN" altLang="en-US"/>
+          </a:p>
+        </p:txBody>
+      </p:sp>
+      <p:sp>
+        <p:nvSpPr>
+          <p:cNvPr id="16" name="箭头: 下 15">
+            <a:extLst>
+              <a:ext uri="{FF2B5EF4-FFF2-40B4-BE49-F238E27FC236}">
+                <a16:creationId xmlns:a16="http://schemas.microsoft.com/office/drawing/2014/main" id="{8F8E7148-7A15-4C6B-8404-B2E2646179C6}"/>
+              </a:ext>
+            </a:extLst>
+          </p:cNvPr>
+          <p:cNvSpPr/>
+          <p:nvPr/>
+        </p:nvSpPr>
+        <p:spPr>
+          <a:xfrm>
+            <a:off x="2753200" y="3383479"/>
+            <a:ext cx="54294" cy="458013"/>
+          </a:xfrm>
+          <a:prstGeom prst="downArrow">
+            <a:avLst/>
+          </a:prstGeom>
+        </p:spPr>
+        <p:style>
+          <a:lnRef idx="2">
+            <a:schemeClr val="accent1">
+              <a:shade val="50000"/>
+            </a:schemeClr>
+          </a:lnRef>
+          <a:fillRef idx="1">
+            <a:schemeClr val="accent1"/>
+          </a:fillRef>
+          <a:effectRef idx="0">
+            <a:schemeClr val="accent1"/>
+          </a:effectRef>
+          <a:fontRef idx="minor">
+            <a:schemeClr val="lt1"/>
+          </a:fontRef>
+        </p:style>
+        <p:txBody>
+          <a:bodyPr rtlCol="0" anchor="ctr"/>
+          <a:lstStyle/>
+          <a:p>
+            <a:pPr algn="ctr"/>
+            <a:endParaRPr lang="zh-CN" altLang="en-US"/>
+          </a:p>
+        </p:txBody>
+      </p:sp>
+      <p:sp>
+        <p:nvSpPr>
+          <p:cNvPr id="21" name="文本框 20">
+            <a:extLst>
+              <a:ext uri="{FF2B5EF4-FFF2-40B4-BE49-F238E27FC236}">
+                <a16:creationId xmlns:a16="http://schemas.microsoft.com/office/drawing/2014/main" id="{9BB2E464-2A0F-43DE-922C-CE0D82C06D9C}"/>
+              </a:ext>
+            </a:extLst>
+          </p:cNvPr>
+          <p:cNvSpPr txBox="1"/>
+          <p:nvPr/>
+        </p:nvSpPr>
+        <p:spPr>
+          <a:xfrm>
+            <a:off x="1859156" y="4910474"/>
+            <a:ext cx="2702127" cy="369332"/>
+          </a:xfrm>
+          <a:prstGeom prst="rect">
+            <a:avLst/>
+          </a:prstGeom>
+        </p:spPr>
+        <p:style>
+          <a:lnRef idx="2">
+            <a:schemeClr val="accent1">
+              <a:shade val="50000"/>
+            </a:schemeClr>
+          </a:lnRef>
+          <a:fillRef idx="1">
+            <a:schemeClr val="accent1"/>
+          </a:fillRef>
+          <a:effectRef idx="0">
+            <a:schemeClr val="accent1"/>
+          </a:effectRef>
+          <a:fontRef idx="minor">
+            <a:schemeClr val="lt1"/>
+          </a:fontRef>
+        </p:style>
+        <p:txBody>
+          <a:bodyPr wrap="square">
+            <a:spAutoFit/>
+          </a:bodyPr>
+          <a:lstStyle/>
+          <a:p>
+            <a:r>
+              <a:rPr lang="zh-CN" altLang="en-US" sz="1800" dirty="0"/>
+              <a:t>新解决方案遇到的新问题</a:t>
+            </a:r>
+            <a:endParaRPr lang="en-US" altLang="zh-CN" sz="1800" dirty="0"/>
+          </a:p>
+        </p:txBody>
+      </p:sp>
+      <p:sp>
+        <p:nvSpPr>
+          <p:cNvPr id="23" name="箭头: 下 22">
+            <a:extLst>
+              <a:ext uri="{FF2B5EF4-FFF2-40B4-BE49-F238E27FC236}">
+                <a16:creationId xmlns:a16="http://schemas.microsoft.com/office/drawing/2014/main" id="{02D60D57-718E-4EC7-BBF5-443E732D361B}"/>
+              </a:ext>
+            </a:extLst>
+          </p:cNvPr>
+          <p:cNvSpPr/>
+          <p:nvPr/>
+        </p:nvSpPr>
+        <p:spPr>
+          <a:xfrm>
+            <a:off x="2784156" y="4162574"/>
+            <a:ext cx="54294" cy="747900"/>
+          </a:xfrm>
+          <a:prstGeom prst="downArrow">
+            <a:avLst/>
+          </a:prstGeom>
+        </p:spPr>
+        <p:style>
+          <a:lnRef idx="2">
+            <a:schemeClr val="accent1">
+              <a:shade val="50000"/>
+            </a:schemeClr>
+          </a:lnRef>
+          <a:fillRef idx="1">
+            <a:schemeClr val="accent1"/>
+          </a:fillRef>
+          <a:effectRef idx="0">
+            <a:schemeClr val="accent1"/>
+          </a:effectRef>
+          <a:fontRef idx="minor">
+            <a:schemeClr val="lt1"/>
+          </a:fontRef>
+        </p:style>
+        <p:txBody>
+          <a:bodyPr rtlCol="0" anchor="ctr"/>
+          <a:lstStyle/>
+          <a:p>
+            <a:pPr algn="ctr"/>
+            <a:endParaRPr lang="zh-CN" altLang="en-US"/>
+          </a:p>
+        </p:txBody>
+      </p:sp>
+      <p:cxnSp>
+        <p:nvCxnSpPr>
+          <p:cNvPr id="25" name="连接符: 肘形 24">
+            <a:extLst>
+              <a:ext uri="{FF2B5EF4-FFF2-40B4-BE49-F238E27FC236}">
+                <a16:creationId xmlns:a16="http://schemas.microsoft.com/office/drawing/2014/main" id="{E8E9386E-6421-4547-A3D1-176A9DB0B2B7}"/>
+              </a:ext>
+            </a:extLst>
+          </p:cNvPr>
+          <p:cNvCxnSpPr>
+            <a:cxnSpLocks/>
+          </p:cNvCxnSpPr>
+          <p:nvPr/>
+        </p:nvCxnSpPr>
+        <p:spPr>
+          <a:xfrm flipH="1" flipV="1">
+            <a:off x="3914775" y="2371467"/>
+            <a:ext cx="646508" cy="2723673"/>
+          </a:xfrm>
+          <a:prstGeom prst="bentConnector3">
+            <a:avLst>
+              <a:gd name="adj1" fmla="val -35359"/>
+            </a:avLst>
+          </a:prstGeom>
+          <a:ln>
+            <a:tailEnd type="triangle"/>
+          </a:ln>
+        </p:spPr>
+        <p:style>
+          <a:lnRef idx="1">
+            <a:schemeClr val="accent1"/>
+          </a:lnRef>
+          <a:fillRef idx="0">
+            <a:schemeClr val="accent1"/>
+          </a:fillRef>
+          <a:effectRef idx="0">
+            <a:schemeClr val="accent1"/>
+          </a:effectRef>
+          <a:fontRef idx="minor">
+            <a:schemeClr val="tx1"/>
+          </a:fontRef>
+        </p:style>
+      </p:cxnSp>
+    </p:spTree>
+    <p:extLst>
+      <p:ext uri="{BB962C8B-B14F-4D97-AF65-F5344CB8AC3E}">
+        <p14:creationId xmlns:p14="http://schemas.microsoft.com/office/powerpoint/2010/main" val="1789872824"/>
+      </p:ext>
+    </p:extLst>
+  </p:cSld>
+  <p:clrMapOvr>
+    <a:masterClrMapping/>
+  </p:clrMapOvr>
+  <mc:AlternateContent xmlns:mc="http://schemas.openxmlformats.org/markup-compatibility/2006">
+    <mc:Choice xmlns:p14="http://schemas.microsoft.com/office/powerpoint/2010/main" Requires="p14">
+      <p:transition spd="slow" p14:dur="2000" advTm="37402"/>
+    </mc:Choice>
+    <mc:Fallback>
+      <p:transition spd="slow" advTm="37402"/>
+    </mc:Fallback>
+  </mc:AlternateContent>
+</p:sld>
+</file>
+
+<file path=ppt/slides/slide25.xml><?xml version="1.0" encoding="utf-8"?>
+<p:sld xmlns:a="http://schemas.openxmlformats.org/drawingml/2006/main" xmlns:r="http://schemas.openxmlformats.org/officeDocument/2006/relationships" xmlns:p="http://schemas.openxmlformats.org/presentationml/2006/main">
+  <p:cSld>
+    <p:spTree>
+      <p:nvGrpSpPr>
+        <p:cNvPr id="1" name=""/>
+        <p:cNvGrpSpPr/>
+        <p:nvPr/>
+      </p:nvGrpSpPr>
+      <p:grpSpPr>
+        <a:xfrm>
+          <a:off x="0" y="0"/>
+          <a:ext cx="0" cy="0"/>
+          <a:chOff x="0" y="0"/>
+          <a:chExt cx="0" cy="0"/>
+        </a:xfrm>
+      </p:grpSpPr>
+      <p:sp>
+        <p:nvSpPr>
+          <p:cNvPr id="2" name="标题 1"/>
+          <p:cNvSpPr>
+            <a:spLocks noGrp="1"/>
+          </p:cNvSpPr>
+          <p:nvPr>
+            <p:ph type="title"/>
+          </p:nvPr>
+        </p:nvSpPr>
+        <p:spPr>
+          <a:xfrm>
+            <a:off x="507206" y="365125"/>
+            <a:ext cx="10846594" cy="670719"/>
+          </a:xfrm>
+        </p:spPr>
+        <p:txBody>
+          <a:bodyPr/>
+          <a:lstStyle/>
+          <a:p>
+            <a:r>
+              <a:rPr lang="zh-CN" altLang="en-US" sz="3600" b="1" dirty="0"/>
+              <a:t>技术面临的问题</a:t>
+            </a:r>
+          </a:p>
+        </p:txBody>
+      </p:sp>
+      <p:sp>
+        <p:nvSpPr>
+          <p:cNvPr id="17" name="标题 1">
+            <a:extLst>
+              <a:ext uri="{FF2B5EF4-FFF2-40B4-BE49-F238E27FC236}">
+                <a16:creationId xmlns:a16="http://schemas.microsoft.com/office/drawing/2014/main" id="{2CABF137-6253-4ADA-895E-05BDC3A25F84}"/>
+              </a:ext>
+            </a:extLst>
+          </p:cNvPr>
+          <p:cNvSpPr txBox="1">
+            <a:spLocks/>
+          </p:cNvSpPr>
+          <p:nvPr/>
+        </p:nvSpPr>
+        <p:spPr>
+          <a:xfrm>
+            <a:off x="602456" y="1289050"/>
+            <a:ext cx="10846594" cy="670719"/>
+          </a:xfrm>
+          <a:prstGeom prst="rect">
+            <a:avLst/>
+          </a:prstGeom>
+        </p:spPr>
+        <p:txBody>
+          <a:bodyPr vert="horz" lIns="91440" tIns="45720" rIns="91440" bIns="45720" rtlCol="0" anchor="ctr">
+            <a:normAutofit fontScale="47500" lnSpcReduction="20000"/>
+          </a:bodyPr>
+          <a:lstStyle>
+            <a:lvl1pPr algn="l" defTabSz="914400" rtl="0" eaLnBrk="1" latinLnBrk="0" hangingPunct="1">
+              <a:lnSpc>
+                <a:spcPct val="90000"/>
+              </a:lnSpc>
+              <a:spcBef>
+                <a:spcPct val="0"/>
+              </a:spcBef>
+              <a:buNone/>
+              <a:defRPr sz="4400" kern="1200">
+                <a:solidFill>
+                  <a:schemeClr val="tx1"/>
+                </a:solidFill>
+                <a:latin typeface="+mj-lt"/>
+                <a:ea typeface="+mj-ea"/>
+                <a:cs typeface="+mj-cs"/>
+              </a:defRPr>
+            </a:lvl1pPr>
+          </a:lstStyle>
+          <a:p>
+            <a:r>
+              <a:rPr lang="zh-CN" altLang="en-US" sz="3600" b="1" dirty="0"/>
+              <a:t>技术本身已经不是问题</a:t>
+            </a:r>
+            <a:endParaRPr lang="en-US" altLang="zh-CN" sz="3600" b="1" dirty="0"/>
+          </a:p>
+          <a:p>
+            <a:pPr>
+              <a:lnSpc>
+                <a:spcPct val="170000"/>
+              </a:lnSpc>
+            </a:pPr>
+            <a:r>
+              <a:rPr lang="zh-CN" altLang="en-US" sz="3600" b="1" dirty="0"/>
+              <a:t>如何提高效率，提高研发产出率</a:t>
+            </a:r>
+          </a:p>
+        </p:txBody>
+      </p:sp>
+    </p:spTree>
+    <p:extLst>
+      <p:ext uri="{BB962C8B-B14F-4D97-AF65-F5344CB8AC3E}">
+        <p14:creationId xmlns:p14="http://schemas.microsoft.com/office/powerpoint/2010/main" val="2455895608"/>
+      </p:ext>
+    </p:extLst>
+  </p:cSld>
+  <p:clrMapOvr>
+    <a:masterClrMapping/>
+  </p:clrMapOvr>
+  <mc:AlternateContent xmlns:mc="http://schemas.openxmlformats.org/markup-compatibility/2006">
+    <mc:Choice xmlns:p14="http://schemas.microsoft.com/office/powerpoint/2010/main" Requires="p14">
+      <p:transition spd="slow" p14:dur="2000" advTm="37402"/>
+    </mc:Choice>
+    <mc:Fallback>
+      <p:transition spd="slow" advTm="37402"/>
+    </mc:Fallback>
+  </mc:AlternateContent>
+</p:sld>
+</file>
+
+<file path=ppt/slides/slide26.xml><?xml version="1.0" encoding="utf-8"?>
+<p:sld xmlns:a="http://schemas.openxmlformats.org/drawingml/2006/main" xmlns:r="http://schemas.openxmlformats.org/officeDocument/2006/relationships" xmlns:p="http://schemas.openxmlformats.org/presentationml/2006/main">
+  <p:cSld>
+    <p:spTree>
+      <p:nvGrpSpPr>
+        <p:cNvPr id="1" name=""/>
+        <p:cNvGrpSpPr/>
+        <p:nvPr/>
+      </p:nvGrpSpPr>
+      <p:grpSpPr>
+        <a:xfrm>
+          <a:off x="0" y="0"/>
+          <a:ext cx="0" cy="0"/>
+          <a:chOff x="0" y="0"/>
+          <a:chExt cx="0" cy="0"/>
+        </a:xfrm>
+      </p:grpSpPr>
+      <p:sp>
+        <p:nvSpPr>
+          <p:cNvPr id="2" name="标题 1"/>
+          <p:cNvSpPr>
+            <a:spLocks noGrp="1"/>
+          </p:cNvSpPr>
+          <p:nvPr>
+            <p:ph type="title"/>
+          </p:nvPr>
+        </p:nvSpPr>
+        <p:spPr>
+          <a:xfrm>
+            <a:off x="435769" y="2593975"/>
             <a:ext cx="10846594" cy="1013619"/>
           </a:xfrm>
         </p:spPr>
@@ -6165,6 +7452,7 @@
           <a:bodyPr/>
           <a:lstStyle/>
           <a:p>
+            <a:pPr algn="ctr"/>
             <a:r>
               <a:rPr lang="en-US" altLang="zh-CN" dirty="0"/>
               <a:t>Q&amp;A</a:t>
@@ -6183,6 +7471,14 @@
   <p:clrMapOvr>
     <a:masterClrMapping/>
   </p:clrMapOvr>
+  <mc:AlternateContent xmlns:mc="http://schemas.openxmlformats.org/markup-compatibility/2006" xmlns:p14="http://schemas.microsoft.com/office/powerpoint/2010/main">
+    <mc:Choice Requires="p14">
+      <p:transition spd="slow" p14:dur="2000" advTm="23227"/>
+    </mc:Choice>
+    <mc:Fallback xmlns="">
+      <p:transition spd="slow" advTm="23227"/>
+    </mc:Fallback>
+  </mc:AlternateContent>
 </p:sld>
 </file>
 
@@ -6408,6 +7704,14 @@
   <p:clrMapOvr>
     <a:masterClrMapping/>
   </p:clrMapOvr>
+  <mc:AlternateContent xmlns:mc="http://schemas.openxmlformats.org/markup-compatibility/2006" xmlns:p14="http://schemas.microsoft.com/office/powerpoint/2010/main">
+    <mc:Choice Requires="p14">
+      <p:transition spd="slow" p14:dur="2000" advTm="65539"/>
+    </mc:Choice>
+    <mc:Fallback xmlns="">
+      <p:transition spd="slow" advTm="65539"/>
+    </mc:Fallback>
+  </mc:AlternateContent>
 </p:sld>
 </file>
 
@@ -6618,6 +7922,14 @@
   <p:clrMapOvr>
     <a:masterClrMapping/>
   </p:clrMapOvr>
+  <mc:AlternateContent xmlns:mc="http://schemas.openxmlformats.org/markup-compatibility/2006" xmlns:p14="http://schemas.microsoft.com/office/powerpoint/2010/main">
+    <mc:Choice Requires="p14">
+      <p:transition spd="slow" p14:dur="2000" advTm="2483"/>
+    </mc:Choice>
+    <mc:Fallback xmlns="">
+      <p:transition spd="slow" advTm="2483"/>
+    </mc:Fallback>
+  </mc:AlternateContent>
 </p:sld>
 </file>
 
@@ -6766,7 +8078,7 @@
             </a:pPr>
             <a:r>
               <a:rPr lang="zh-CN" altLang="en-US" dirty="0"/>
-              <a:t>部分不经常变的数据从缓存读取</a:t>
+              <a:t>部分不经常变的数据依然从缓存读取</a:t>
             </a:r>
             <a:endParaRPr lang="en-US" altLang="zh-CN" dirty="0"/>
           </a:p>
@@ -6870,6 +8182,14 @@
   <p:clrMapOvr>
     <a:masterClrMapping/>
   </p:clrMapOvr>
+  <mc:AlternateContent xmlns:mc="http://schemas.openxmlformats.org/markup-compatibility/2006" xmlns:p14="http://schemas.microsoft.com/office/powerpoint/2010/main">
+    <mc:Choice Requires="p14">
+      <p:transition spd="slow" p14:dur="2000" advTm="13240"/>
+    </mc:Choice>
+    <mc:Fallback xmlns="">
+      <p:transition spd="slow" advTm="13240"/>
+    </mc:Fallback>
+  </mc:AlternateContent>
 </p:sld>
 </file>
 
@@ -6900,28 +8220,20 @@
             <p:ph type="title"/>
           </p:nvPr>
         </p:nvSpPr>
-        <p:spPr/>
+        <p:spPr>
+          <a:xfrm>
+            <a:off x="507206" y="365125"/>
+            <a:ext cx="10846594" cy="1013619"/>
+          </a:xfrm>
+        </p:spPr>
         <p:txBody>
           <a:bodyPr/>
           <a:lstStyle/>
           <a:p>
             <a:r>
               <a:rPr lang="zh-CN" altLang="en-US" dirty="0"/>
-              <a:t>分表（</a:t>
-            </a:r>
-            <a:r>
-              <a:rPr lang="en-US" altLang="zh-CN" dirty="0"/>
-              <a:t>table </a:t>
-            </a:r>
-            <a:r>
-              <a:rPr lang="en-US" altLang="zh-CN" dirty="0" err="1"/>
-              <a:t>Sharding</a:t>
-            </a:r>
-            <a:r>
-              <a:rPr lang="en-US" altLang="zh-CN" dirty="0"/>
-              <a:t>)</a:t>
-            </a:r>
-            <a:endParaRPr lang="zh-CN" altLang="en-US" dirty="0"/>
+              <a:t>垂直分库</a:t>
+            </a:r>
           </a:p>
         </p:txBody>
       </p:sp>
@@ -6933,8 +8245,8 @@
         </p:nvSpPr>
         <p:spPr>
           <a:xfrm>
-            <a:off x="5417342" y="1599605"/>
-            <a:ext cx="4233864" cy="4648200"/>
+            <a:off x="6193631" y="1485900"/>
+            <a:ext cx="4143375" cy="4267200"/>
           </a:xfrm>
           <a:prstGeom prst="rect">
             <a:avLst/>
@@ -6981,7 +8293,21 @@
             </a:pPr>
             <a:r>
               <a:rPr lang="zh-CN" altLang="en-US" dirty="0"/>
-              <a:t>解决单表数据量过大问题</a:t>
+              <a:t>数据按照域划分，减少相互影响</a:t>
+            </a:r>
+            <a:endParaRPr lang="en-US" altLang="zh-CN" dirty="0"/>
+          </a:p>
+          <a:p>
+            <a:pPr marL="742950" lvl="1" indent="-285750">
+              <a:lnSpc>
+                <a:spcPct val="150000"/>
+              </a:lnSpc>
+              <a:buFont typeface="Arial" panose="020B0604020202020204" pitchFamily="34" charset="0"/>
+              <a:buChar char="•"/>
+            </a:pPr>
+            <a:r>
+              <a:rPr lang="zh-CN" altLang="en-US" dirty="0"/>
+              <a:t>降低数据库的复杂度</a:t>
             </a:r>
             <a:endParaRPr lang="en-US" altLang="zh-CN" dirty="0"/>
           </a:p>
@@ -6995,7 +8321,7 @@
             </a:pPr>
             <a:r>
               <a:rPr lang="zh-CN" altLang="en-US" dirty="0"/>
-              <a:t>方法：</a:t>
+              <a:t>注：</a:t>
             </a:r>
             <a:endParaRPr lang="en-US" altLang="zh-CN" dirty="0"/>
           </a:p>
@@ -7009,46 +8335,9 @@
             </a:pPr>
             <a:r>
               <a:rPr lang="zh-CN" altLang="en-US" dirty="0"/>
-              <a:t>取模</a:t>
-            </a:r>
-            <a:r>
-              <a:rPr lang="en-US" altLang="zh-CN" dirty="0"/>
-              <a:t>-</a:t>
-            </a:r>
-            <a:r>
-              <a:rPr lang="zh-CN" altLang="en-US" dirty="0"/>
-              <a:t>热点数据问题</a:t>
-            </a:r>
-          </a:p>
-          <a:p>
-            <a:pPr marL="742950" lvl="1" indent="-285750">
-              <a:lnSpc>
-                <a:spcPct val="150000"/>
-              </a:lnSpc>
-              <a:buFont typeface="Arial" panose="020B0604020202020204" pitchFamily="34" charset="0"/>
-              <a:buChar char="•"/>
-            </a:pPr>
-            <a:r>
-              <a:rPr lang="zh-CN" altLang="en-US" dirty="0"/>
-              <a:t>路由表： 数据均匀分布，中间表记录数据路由</a:t>
-            </a:r>
-          </a:p>
-          <a:p>
-            <a:pPr marL="742950" lvl="1" indent="-285750">
-              <a:lnSpc>
-                <a:spcPct val="150000"/>
-              </a:lnSpc>
-              <a:buFont typeface="Arial" panose="020B0604020202020204" pitchFamily="34" charset="0"/>
-              <a:buChar char="•"/>
-            </a:pPr>
-            <a:r>
-              <a:rPr lang="zh-CN" altLang="en-US" dirty="0"/>
-              <a:t>一致性</a:t>
-            </a:r>
-            <a:r>
-              <a:rPr lang="en-US" altLang="zh-CN" dirty="0"/>
-              <a:t>hash</a:t>
-            </a:r>
+              <a:t>分布式事务</a:t>
+            </a:r>
+            <a:endParaRPr lang="en-US" altLang="zh-CN" dirty="0"/>
           </a:p>
         </p:txBody>
       </p:sp>
@@ -7068,8 +8357,8 @@
         </p:blipFill>
         <p:spPr>
           <a:xfrm>
-            <a:off x="907256" y="1690688"/>
-            <a:ext cx="3829051" cy="3576637"/>
+            <a:off x="862013" y="1378744"/>
+            <a:ext cx="5160168" cy="5048250"/>
           </a:xfrm>
           <a:prstGeom prst="rect">
             <a:avLst/>
@@ -7079,13 +8368,21 @@
     </p:spTree>
     <p:extLst>
       <p:ext uri="{BB962C8B-B14F-4D97-AF65-F5344CB8AC3E}">
-        <p14:creationId xmlns:p14="http://schemas.microsoft.com/office/powerpoint/2010/main" val="4126874276"/>
+        <p14:creationId xmlns:p14="http://schemas.microsoft.com/office/powerpoint/2010/main" val="729491375"/>
       </p:ext>
     </p:extLst>
   </p:cSld>
   <p:clrMapOvr>
     <a:masterClrMapping/>
   </p:clrMapOvr>
+  <mc:AlternateContent xmlns:mc="http://schemas.openxmlformats.org/markup-compatibility/2006" xmlns:p14="http://schemas.microsoft.com/office/powerpoint/2010/main">
+    <mc:Choice Requires="p14">
+      <p:transition spd="slow" p14:dur="2000" advTm="55993"/>
+    </mc:Choice>
+    <mc:Fallback xmlns="">
+      <p:transition spd="slow" advTm="55993"/>
+    </mc:Fallback>
+  </mc:AlternateContent>
 </p:sld>
 </file>
 
@@ -7116,28 +8413,28 @@
             <p:ph type="title"/>
           </p:nvPr>
         </p:nvSpPr>
-        <p:spPr/>
+        <p:spPr>
+          <a:xfrm>
+            <a:off x="838200" y="365126"/>
+            <a:ext cx="10420350" cy="749300"/>
+          </a:xfrm>
+        </p:spPr>
         <p:txBody>
           <a:bodyPr/>
           <a:lstStyle/>
           <a:p>
             <a:r>
-              <a:rPr lang="zh-CN" altLang="en-US" dirty="0"/>
-              <a:t>分表（</a:t>
-            </a:r>
-            <a:r>
-              <a:rPr lang="en-US" altLang="zh-CN" dirty="0"/>
-              <a:t>table </a:t>
-            </a:r>
-            <a:r>
-              <a:rPr lang="en-US" altLang="zh-CN" dirty="0" err="1"/>
-              <a:t>Sharding</a:t>
-            </a:r>
-            <a:r>
-              <a:rPr lang="en-US" altLang="zh-CN" dirty="0"/>
-              <a:t>)</a:t>
-            </a:r>
-            <a:endParaRPr lang="zh-CN" altLang="en-US" dirty="0"/>
+              <a:rPr lang="zh-CN" altLang="en-US" b="1" dirty="0"/>
+              <a:t>水平分表</a:t>
+            </a:r>
+            <a:r>
+              <a:rPr lang="en-US" altLang="zh-CN" b="1" dirty="0"/>
+              <a:t>/</a:t>
+            </a:r>
+            <a:r>
+              <a:rPr lang="zh-CN" altLang="en-US" b="1" dirty="0"/>
+              <a:t>分库</a:t>
+            </a:r>
           </a:p>
         </p:txBody>
       </p:sp>
@@ -7212,6 +8509,26 @@
             <a:r>
               <a:rPr lang="zh-CN" altLang="en-US" dirty="0"/>
               <a:t>方法：</a:t>
+            </a:r>
+            <a:endParaRPr lang="en-US" altLang="zh-CN" dirty="0"/>
+          </a:p>
+          <a:p>
+            <a:pPr>
+              <a:lnSpc>
+                <a:spcPct val="150000"/>
+              </a:lnSpc>
+            </a:pPr>
+            <a:r>
+              <a:rPr lang="zh-CN" altLang="en-US" dirty="0"/>
+              <a:t>       按照某个纬度，将数据分散到不同的表</a:t>
+            </a:r>
+            <a:r>
+              <a:rPr lang="en-US" altLang="zh-CN" dirty="0"/>
+              <a:t>/</a:t>
+            </a:r>
+            <a:r>
+              <a:rPr lang="zh-CN" altLang="en-US" dirty="0"/>
+              <a:t>库中</a:t>
             </a:r>
             <a:endParaRPr lang="en-US" altLang="zh-CN" dirty="0"/>
           </a:p>
@@ -7290,18 +8607,31 @@
           <a:prstGeom prst="rect">
             <a:avLst/>
           </a:prstGeom>
+          <a:ln>
+            <a:solidFill>
+              <a:schemeClr val="accent1"/>
+            </a:solidFill>
+          </a:ln>
         </p:spPr>
       </p:pic>
     </p:spTree>
     <p:extLst>
       <p:ext uri="{BB962C8B-B14F-4D97-AF65-F5344CB8AC3E}">
-        <p14:creationId xmlns:p14="http://schemas.microsoft.com/office/powerpoint/2010/main" val="2278839837"/>
+        <p14:creationId xmlns:p14="http://schemas.microsoft.com/office/powerpoint/2010/main" val="4126874276"/>
       </p:ext>
     </p:extLst>
   </p:cSld>
   <p:clrMapOvr>
     <a:masterClrMapping/>
   </p:clrMapOvr>
+  <mc:AlternateContent xmlns:mc="http://schemas.openxmlformats.org/markup-compatibility/2006" xmlns:p14="http://schemas.microsoft.com/office/powerpoint/2010/main">
+    <mc:Choice Requires="p14">
+      <p:transition spd="slow" p14:dur="2000" advTm="7583"/>
+    </mc:Choice>
+    <mc:Fallback xmlns="">
+      <p:transition spd="slow" advTm="7583"/>
+    </mc:Fallback>
+  </mc:AlternateContent>
 </p:sld>
 </file>
 
@@ -7343,15 +8673,35 @@
           <a:lstStyle/>
           <a:p>
             <a:r>
-              <a:rPr lang="zh-CN" altLang="en-US" dirty="0"/>
-              <a:t>分库（</a:t>
-            </a:r>
-            <a:r>
-              <a:rPr lang="en-US" altLang="zh-CN" dirty="0" err="1"/>
-              <a:t>db_sharding</a:t>
-            </a:r>
-            <a:r>
-              <a:rPr lang="zh-CN" altLang="en-US" dirty="0"/>
+              <a:rPr lang="zh-CN" altLang="en-US" b="1" dirty="0"/>
+              <a:t>跨库</a:t>
+            </a:r>
+            <a:r>
+              <a:rPr lang="en-US" altLang="zh-CN" b="1" dirty="0"/>
+              <a:t>/</a:t>
+            </a:r>
+            <a:r>
+              <a:rPr lang="zh-CN" altLang="en-US" b="1" dirty="0"/>
+              <a:t>表查询（</a:t>
+            </a:r>
+            <a:r>
+              <a:rPr lang="en-US" altLang="zh-CN" b="1"/>
+              <a:t>Search </a:t>
+            </a:r>
+            <a:r>
+              <a:rPr lang="en-US" altLang="zh-CN" b="1" dirty="0"/>
+              <a:t>E</a:t>
+            </a:r>
+            <a:r>
+              <a:rPr lang="en-US" altLang="zh-CN" b="1"/>
+              <a:t>ngine</a:t>
+            </a:r>
+            <a:r>
+              <a:rPr lang="en-US" altLang="zh-CN" b="1" dirty="0"/>
+              <a:t>/NSQL</a:t>
+            </a:r>
+            <a:r>
+              <a:rPr lang="zh-CN" altLang="en-US" b="1" dirty="0"/>
               <a:t>）</a:t>
             </a:r>
           </a:p>
@@ -7366,7 +8716,7 @@
         <p:spPr>
           <a:xfrm>
             <a:off x="6193631" y="1485900"/>
-            <a:ext cx="4143375" cy="4267200"/>
+            <a:ext cx="4207669" cy="4743450"/>
           </a:xfrm>
           <a:prstGeom prst="rect">
             <a:avLst/>
@@ -7390,6 +8740,44 @@
           <a:bodyPr rtlCol="0" anchor="t"/>
           <a:lstStyle/>
           <a:p>
+            <a:r>
+              <a:rPr lang="zh-CN" altLang="en-US" sz="2000" b="1" dirty="0"/>
+              <a:t>注：</a:t>
+            </a:r>
+            <a:r>
+              <a:rPr lang="zh-CN" altLang="en-US" sz="2000" b="1" dirty="0">
+                <a:solidFill>
+                  <a:srgbClr val="FF0000"/>
+                </a:solidFill>
+              </a:rPr>
+              <a:t>数据库只是存储，存放数据的地方，不要有任何业务。</a:t>
+            </a:r>
+            <a:endParaRPr lang="en-US" altLang="zh-CN" sz="2000" b="1" dirty="0">
+              <a:solidFill>
+                <a:srgbClr val="FF0000"/>
+              </a:solidFill>
+            </a:endParaRPr>
+          </a:p>
+          <a:p>
+            <a:r>
+              <a:rPr lang="en-US" altLang="zh-CN" sz="2000" b="1" dirty="0">
+                <a:solidFill>
+                  <a:srgbClr val="FF0000"/>
+                </a:solidFill>
+              </a:rPr>
+              <a:t>      </a:t>
+            </a:r>
+            <a:r>
+              <a:rPr lang="zh-CN" altLang="en-US" sz="2000" b="1" dirty="0">
+                <a:solidFill>
+                  <a:srgbClr val="FF0000"/>
+                </a:solidFill>
+              </a:rPr>
+              <a:t>业务逻辑放在代码中实现。</a:t>
+            </a:r>
+            <a:endParaRPr lang="en-US" altLang="zh-CN" sz="2000" b="1" dirty="0"/>
+          </a:p>
+          <a:p>
             <a:pPr marL="285750" indent="-285750">
               <a:lnSpc>
                 <a:spcPct val="150000"/>
@@ -7399,7 +8787,7 @@
             </a:pPr>
             <a:r>
               <a:rPr lang="zh-CN" altLang="en-US" dirty="0"/>
-              <a:t>优点：</a:t>
+              <a:t>用处：</a:t>
             </a:r>
             <a:endParaRPr lang="en-US" altLang="zh-CN" dirty="0"/>
           </a:p>
@@ -7413,7 +8801,7 @@
             </a:pPr>
             <a:r>
               <a:rPr lang="zh-CN" altLang="en-US" dirty="0"/>
-              <a:t>数据库主从配置</a:t>
+              <a:t>解决跨库数据访问问题</a:t>
             </a:r>
             <a:endParaRPr lang="en-US" altLang="zh-CN" dirty="0"/>
           </a:p>
@@ -7427,65 +8815,7 @@
             </a:pPr>
             <a:r>
               <a:rPr lang="zh-CN" altLang="en-US" dirty="0"/>
-              <a:t>多数据源</a:t>
-            </a:r>
-            <a:r>
-              <a:rPr lang="en-US" altLang="zh-CN" dirty="0"/>
-              <a:t>-</a:t>
-            </a:r>
-            <a:r>
-              <a:rPr lang="zh-CN" altLang="en-US" dirty="0"/>
-              <a:t>一主多从</a:t>
-            </a:r>
-            <a:endParaRPr lang="en-US" altLang="zh-CN" dirty="0"/>
-          </a:p>
-          <a:p>
-            <a:pPr marL="742950" lvl="1" indent="-285750">
-              <a:lnSpc>
-                <a:spcPct val="150000"/>
-              </a:lnSpc>
-              <a:buFont typeface="Arial" panose="020B0604020202020204" pitchFamily="34" charset="0"/>
-              <a:buChar char="•"/>
-            </a:pPr>
-            <a:r>
-              <a:rPr lang="zh-CN" altLang="en-US" dirty="0"/>
-              <a:t>读操作默认路由到从库</a:t>
-            </a:r>
-            <a:endParaRPr lang="en-US" altLang="zh-CN" dirty="0"/>
-          </a:p>
-          <a:p>
-            <a:pPr marL="742950" lvl="1" indent="-285750">
-              <a:lnSpc>
-                <a:spcPct val="150000"/>
-              </a:lnSpc>
-              <a:buFont typeface="Arial" panose="020B0604020202020204" pitchFamily="34" charset="0"/>
-              <a:buChar char="•"/>
-            </a:pPr>
-            <a:r>
-              <a:rPr lang="zh-CN" altLang="en-US" dirty="0"/>
-              <a:t>部分不经常变的数据从缓存读取</a:t>
-            </a:r>
-            <a:endParaRPr lang="en-US" altLang="zh-CN" dirty="0"/>
-          </a:p>
-          <a:p>
-            <a:pPr marL="742950" lvl="1" indent="-285750">
-              <a:lnSpc>
-                <a:spcPct val="150000"/>
-              </a:lnSpc>
-              <a:buFont typeface="Arial" panose="020B0604020202020204" pitchFamily="34" charset="0"/>
-              <a:buChar char="•"/>
-            </a:pPr>
-            <a:r>
-              <a:rPr lang="zh-CN" altLang="en-US" dirty="0"/>
-              <a:t>降低</a:t>
-            </a:r>
-            <a:r>
-              <a:rPr lang="en-US" altLang="zh-CN" dirty="0"/>
-              <a:t>DB</a:t>
-            </a:r>
-            <a:r>
-              <a:rPr lang="zh-CN" altLang="en-US" dirty="0"/>
-              <a:t>性能损耗</a:t>
+              <a:t>非结构化数据存储</a:t>
             </a:r>
             <a:endParaRPr lang="en-US" altLang="zh-CN" dirty="0"/>
           </a:p>
@@ -7512,8 +8842,8 @@
               <a:buChar char="•"/>
             </a:pPr>
             <a:r>
-              <a:rPr lang="zh-CN" altLang="en-US" dirty="0"/>
-              <a:t>事务级别分离</a:t>
+              <a:rPr lang="en-US" altLang="zh-CN" dirty="0" err="1"/>
+              <a:t>Lunce</a:t>
             </a:r>
             <a:endParaRPr lang="en-US" altLang="zh-CN" dirty="0"/>
           </a:p>
@@ -7526,16 +8856,56 @@
               <a:buChar char="•"/>
             </a:pPr>
             <a:r>
-              <a:rPr lang="zh-CN" altLang="en-US" dirty="0"/>
-              <a:t>同一个事务默认一个数据源</a:t>
+              <a:rPr lang="en-US" altLang="zh-CN" dirty="0" err="1"/>
+              <a:t>elaticsearch</a:t>
             </a:r>
             <a:endParaRPr lang="en-US" altLang="zh-CN" dirty="0"/>
+          </a:p>
+          <a:p>
+            <a:pPr marL="742950" lvl="1" indent="-285750">
+              <a:lnSpc>
+                <a:spcPct val="150000"/>
+              </a:lnSpc>
+              <a:buFont typeface="Arial" panose="020B0604020202020204" pitchFamily="34" charset="0"/>
+              <a:buChar char="•"/>
+            </a:pPr>
+            <a:r>
+              <a:rPr lang="en-US" altLang="zh-CN" dirty="0" err="1"/>
+              <a:t>solor</a:t>
+            </a:r>
+            <a:endParaRPr lang="en-US" altLang="zh-CN" dirty="0"/>
+          </a:p>
+          <a:p>
+            <a:pPr marL="742950" lvl="1" indent="-285750">
+              <a:lnSpc>
+                <a:spcPct val="150000"/>
+              </a:lnSpc>
+              <a:buFont typeface="Arial" panose="020B0604020202020204" pitchFamily="34" charset="0"/>
+              <a:buChar char="•"/>
+            </a:pPr>
+            <a:r>
+              <a:rPr lang="en-US" altLang="zh-CN" dirty="0"/>
+              <a:t>MongoDB</a:t>
+            </a:r>
+          </a:p>
+          <a:p>
+            <a:pPr marL="742950" lvl="1" indent="-285750">
+              <a:lnSpc>
+                <a:spcPct val="150000"/>
+              </a:lnSpc>
+              <a:buFont typeface="Arial" panose="020B0604020202020204" pitchFamily="34" charset="0"/>
+              <a:buChar char="•"/>
+            </a:pPr>
+            <a:r>
+              <a:rPr lang="en-US" altLang="zh-CN" dirty="0"/>
+              <a:t>………….</a:t>
+            </a:r>
           </a:p>
         </p:txBody>
       </p:sp>
       <p:pic>
         <p:nvPicPr>
-          <p:cNvPr id="3" name="图片 2"/>
+          <p:cNvPr id="6" name="图片 5"/>
           <p:cNvPicPr>
             <a:picLocks noChangeAspect="1"/>
           </p:cNvPicPr>
@@ -7549,8 +8919,8 @@
         </p:blipFill>
         <p:spPr>
           <a:xfrm>
-            <a:off x="862013" y="1378744"/>
-            <a:ext cx="5160168" cy="5048250"/>
+            <a:off x="507206" y="1485900"/>
+            <a:ext cx="5474494" cy="4500562"/>
           </a:xfrm>
           <a:prstGeom prst="rect">
             <a:avLst/>
@@ -7560,13 +8930,21 @@
     </p:spTree>
     <p:extLst>
       <p:ext uri="{BB962C8B-B14F-4D97-AF65-F5344CB8AC3E}">
-        <p14:creationId xmlns:p14="http://schemas.microsoft.com/office/powerpoint/2010/main" val="729491375"/>
+        <p14:creationId xmlns:p14="http://schemas.microsoft.com/office/powerpoint/2010/main" val="3378703403"/>
       </p:ext>
     </p:extLst>
   </p:cSld>
   <p:clrMapOvr>
     <a:masterClrMapping/>
   </p:clrMapOvr>
+  <mc:AlternateContent xmlns:mc="http://schemas.openxmlformats.org/markup-compatibility/2006" xmlns:p14="http://schemas.microsoft.com/office/powerpoint/2010/main">
+    <mc:Choice Requires="p14">
+      <p:transition spd="slow" p14:dur="2000" advTm="4018"/>
+    </mc:Choice>
+    <mc:Fallback xmlns="">
+      <p:transition spd="slow" advTm="4018"/>
+    </mc:Fallback>
+  </mc:AlternateContent>
 </p:sld>
 </file>
 
@@ -7609,23 +8987,7 @@
           <a:p>
             <a:r>
               <a:rPr lang="zh-CN" altLang="en-US" dirty="0"/>
-              <a:t>跨库</a:t>
-            </a:r>
-            <a:r>
-              <a:rPr lang="en-US" altLang="zh-CN" dirty="0"/>
-              <a:t>/</a:t>
-            </a:r>
-            <a:r>
-              <a:rPr lang="zh-CN" altLang="en-US" dirty="0"/>
-              <a:t>表查询（</a:t>
-            </a:r>
-            <a:r>
-              <a:rPr lang="en-US" altLang="zh-CN" dirty="0"/>
-              <a:t>Search engine</a:t>
-            </a:r>
-            <a:r>
-              <a:rPr lang="zh-CN" altLang="en-US" dirty="0"/>
-              <a:t>）</a:t>
+              <a:t>服务化（微服务）</a:t>
             </a:r>
           </a:p>
         </p:txBody>
@@ -7638,8 +9000,8 @@
         </p:nvSpPr>
         <p:spPr>
           <a:xfrm>
-            <a:off x="6193631" y="1485900"/>
-            <a:ext cx="4143375" cy="4267200"/>
+            <a:off x="5793581" y="1485900"/>
+            <a:ext cx="4543425" cy="4267200"/>
           </a:xfrm>
           <a:prstGeom prst="rect">
             <a:avLst/>
@@ -7671,10 +9033,10 @@
               <a:buChar char="u"/>
             </a:pPr>
             <a:r>
-              <a:rPr lang="zh-CN" altLang="en-US" dirty="0"/>
-              <a:t>用处：</a:t>
-            </a:r>
-            <a:endParaRPr lang="en-US" altLang="zh-CN" dirty="0"/>
+              <a:rPr lang="zh-CN" altLang="en-US" b="1" dirty="0"/>
+              <a:t>内容：</a:t>
+            </a:r>
+            <a:endParaRPr lang="en-US" altLang="zh-CN" b="1" dirty="0"/>
           </a:p>
           <a:p>
             <a:pPr marL="742950" lvl="1" indent="-285750">
@@ -7686,7 +9048,7 @@
             </a:pPr>
             <a:r>
               <a:rPr lang="zh-CN" altLang="en-US" dirty="0"/>
-              <a:t>解决跨库数据访问问题</a:t>
+              <a:t>最小的业务单元做成服务</a:t>
             </a:r>
             <a:endParaRPr lang="en-US" altLang="zh-CN" dirty="0"/>
           </a:p>
@@ -7700,7 +9062,33 @@
             </a:pPr>
             <a:r>
               <a:rPr lang="zh-CN" altLang="en-US" dirty="0"/>
-              <a:t>非结构化数据存储</a:t>
+              <a:t>每个服务单元可以自由扩容</a:t>
+            </a:r>
+            <a:endParaRPr lang="en-US" altLang="zh-CN" dirty="0"/>
+          </a:p>
+          <a:p>
+            <a:pPr marL="742950" lvl="1" indent="-285750">
+              <a:lnSpc>
+                <a:spcPct val="150000"/>
+              </a:lnSpc>
+              <a:buFont typeface="Arial" panose="020B0604020202020204" pitchFamily="34" charset="0"/>
+              <a:buChar char="•"/>
+            </a:pPr>
+            <a:r>
+              <a:rPr lang="zh-CN" altLang="en-US" dirty="0"/>
+              <a:t>不同服务单元通过</a:t>
+            </a:r>
+            <a:r>
+              <a:rPr lang="en-US" altLang="zh-CN" dirty="0"/>
+              <a:t>http/</a:t>
+            </a:r>
+            <a:r>
+              <a:rPr lang="en-US" altLang="zh-CN" dirty="0" err="1"/>
+              <a:t>tcp</a:t>
+            </a:r>
+            <a:r>
+              <a:rPr lang="zh-CN" altLang="en-US" dirty="0"/>
+              <a:t>等协议访问</a:t>
             </a:r>
             <a:endParaRPr lang="en-US" altLang="zh-CN" dirty="0"/>
           </a:p>
@@ -7713,10 +9101,10 @@
               <a:buChar char="u"/>
             </a:pPr>
             <a:r>
-              <a:rPr lang="zh-CN" altLang="en-US" dirty="0"/>
-              <a:t>注：</a:t>
-            </a:r>
-            <a:endParaRPr lang="en-US" altLang="zh-CN" dirty="0"/>
+              <a:rPr lang="zh-CN" altLang="en-US" b="1" dirty="0"/>
+              <a:t>优点：</a:t>
+            </a:r>
+            <a:endParaRPr lang="en-US" altLang="zh-CN" b="1" dirty="0"/>
           </a:p>
           <a:p>
             <a:pPr marL="742950" lvl="1" indent="-285750">
@@ -7727,8 +9115,8 @@
               <a:buChar char="•"/>
             </a:pPr>
             <a:r>
-              <a:rPr lang="en-US" altLang="zh-CN" dirty="0" err="1"/>
-              <a:t>solor</a:t>
+              <a:rPr lang="zh-CN" altLang="en-US" dirty="0"/>
+              <a:t>每个服务模块具有独立的架构</a:t>
             </a:r>
             <a:endParaRPr lang="en-US" altLang="zh-CN" dirty="0"/>
           </a:p>
@@ -7741,10 +9129,24 @@
               <a:buChar char="•"/>
             </a:pPr>
             <a:r>
-              <a:rPr lang="en-US" altLang="zh-CN" dirty="0" err="1"/>
-              <a:t>Lunce</a:t>
+              <a:rPr lang="zh-CN" altLang="en-US" dirty="0"/>
+              <a:t>独立部署，提高系统稳定性</a:t>
             </a:r>
             <a:endParaRPr lang="en-US" altLang="zh-CN" dirty="0"/>
+          </a:p>
+          <a:p>
+            <a:pPr marL="285750" lvl="1" indent="-285750">
+              <a:lnSpc>
+                <a:spcPct val="150000"/>
+              </a:lnSpc>
+              <a:buFont typeface="Wingdings" panose="05000000000000000000" pitchFamily="2" charset="2"/>
+              <a:buChar char="u"/>
+            </a:pPr>
+            <a:r>
+              <a:rPr lang="zh-CN" altLang="en-US" b="1" dirty="0"/>
+              <a:t>问题：</a:t>
+            </a:r>
+            <a:endParaRPr lang="en-US" altLang="zh-CN" b="1" dirty="0"/>
           </a:p>
           <a:p>
             <a:pPr marL="742950" lvl="1" indent="-285750">
@@ -7755,8 +9157,8 @@
               <a:buChar char="•"/>
             </a:pPr>
             <a:r>
-              <a:rPr lang="en-US" altLang="zh-CN" dirty="0" err="1"/>
-              <a:t>elaticsearch</a:t>
+              <a:rPr lang="zh-CN" altLang="en-US" dirty="0"/>
+              <a:t>部署结构复杂，运维监控成本高。</a:t>
             </a:r>
             <a:endParaRPr lang="en-US" altLang="zh-CN" dirty="0"/>
           </a:p>
@@ -7768,17 +9170,13 @@
               <a:buFont typeface="Arial" panose="020B0604020202020204" pitchFamily="34" charset="0"/>
               <a:buChar char="•"/>
             </a:pPr>
-            <a:r>
-              <a:rPr lang="zh-CN" altLang="en-US" dirty="0"/>
-              <a:t>。。。</a:t>
-            </a:r>
             <a:endParaRPr lang="en-US" altLang="zh-CN" dirty="0"/>
           </a:p>
         </p:txBody>
       </p:sp>
       <p:pic>
         <p:nvPicPr>
-          <p:cNvPr id="6" name="图片 5"/>
+          <p:cNvPr id="4" name="图片 3"/>
           <p:cNvPicPr>
             <a:picLocks noChangeAspect="1"/>
           </p:cNvPicPr>
@@ -7792,8 +9190,8 @@
         </p:blipFill>
         <p:spPr>
           <a:xfrm>
-            <a:off x="507206" y="1485900"/>
-            <a:ext cx="5474494" cy="4500562"/>
+            <a:off x="609600" y="1378744"/>
+            <a:ext cx="4612481" cy="4436269"/>
           </a:xfrm>
           <a:prstGeom prst="rect">
             <a:avLst/>
@@ -7803,13 +9201,21 @@
     </p:spTree>
     <p:extLst>
       <p:ext uri="{BB962C8B-B14F-4D97-AF65-F5344CB8AC3E}">
-        <p14:creationId xmlns:p14="http://schemas.microsoft.com/office/powerpoint/2010/main" val="3378703403"/>
+        <p14:creationId xmlns:p14="http://schemas.microsoft.com/office/powerpoint/2010/main" val="961823880"/>
       </p:ext>
     </p:extLst>
   </p:cSld>
   <p:clrMapOvr>
     <a:masterClrMapping/>
   </p:clrMapOvr>
+  <mc:AlternateContent xmlns:mc="http://schemas.openxmlformats.org/markup-compatibility/2006" xmlns:p14="http://schemas.microsoft.com/office/powerpoint/2010/main">
+    <mc:Choice Requires="p14">
+      <p:transition spd="slow" p14:dur="2000" advTm="122402"/>
+    </mc:Choice>
+    <mc:Fallback xmlns="">
+      <p:transition spd="slow" advTm="122402"/>
+    </mc:Fallback>
+  </mc:AlternateContent>
 </p:sld>
 </file>
 
